--- a/images/pickup-source.pptx
+++ b/images/pickup-source.pptx
@@ -106,7 +106,18 @@
   </p:defaultTextStyle>
   <p:extLst>
     <p:ext uri="{EFAFB233-063F-42B5-8137-9DF3F51BA10A}">
-      <p15:sldGuideLst xmlns:p15="http://schemas.microsoft.com/office/powerpoint/2012/main" xmlns=""/>
+      <p15:sldGuideLst xmlns:p15="http://schemas.microsoft.com/office/powerpoint/2012/main">
+        <p15:guide id="1" orient="horz" pos="2160">
+          <p15:clr>
+            <a:srgbClr val="A4A3A4"/>
+          </p15:clr>
+        </p15:guide>
+        <p15:guide id="2" pos="3840">
+          <p15:clr>
+            <a:srgbClr val="A4A3A4"/>
+          </p15:clr>
+        </p15:guide>
+      </p15:sldGuideLst>
     </p:ext>
   </p:extLst>
 </p:presentation>
@@ -243,7 +254,7 @@
           <a:p>
             <a:fld id="{11DF4037-C77C-4485-A1A7-A21C0C2A48B2}" type="datetimeFigureOut">
               <a:rPr lang="en-US" smtClean="0"/>
-              <a:t>7/29/16</a:t>
+              <a:t>8/15/2016</a:t>
             </a:fld>
             <a:endParaRPr lang="en-US"/>
           </a:p>
@@ -285,7 +296,7 @@
           <a:p>
             <a:fld id="{3463B86D-F204-47AF-BB61-01E16E05AA28}" type="slidenum">
               <a:rPr lang="en-US" smtClean="0"/>
-              <a:t>‹Nr.›</a:t>
+              <a:t>‹#›</a:t>
             </a:fld>
             <a:endParaRPr lang="en-US"/>
           </a:p>
@@ -413,7 +424,7 @@
           <a:p>
             <a:fld id="{11DF4037-C77C-4485-A1A7-A21C0C2A48B2}" type="datetimeFigureOut">
               <a:rPr lang="en-US" smtClean="0"/>
-              <a:t>7/29/16</a:t>
+              <a:t>8/15/2016</a:t>
             </a:fld>
             <a:endParaRPr lang="en-US"/>
           </a:p>
@@ -455,7 +466,7 @@
           <a:p>
             <a:fld id="{3463B86D-F204-47AF-BB61-01E16E05AA28}" type="slidenum">
               <a:rPr lang="en-US" smtClean="0"/>
-              <a:t>‹Nr.›</a:t>
+              <a:t>‹#›</a:t>
             </a:fld>
             <a:endParaRPr lang="en-US"/>
           </a:p>
@@ -593,7 +604,7 @@
           <a:p>
             <a:fld id="{11DF4037-C77C-4485-A1A7-A21C0C2A48B2}" type="datetimeFigureOut">
               <a:rPr lang="en-US" smtClean="0"/>
-              <a:t>7/29/16</a:t>
+              <a:t>8/15/2016</a:t>
             </a:fld>
             <a:endParaRPr lang="en-US"/>
           </a:p>
@@ -635,7 +646,7 @@
           <a:p>
             <a:fld id="{3463B86D-F204-47AF-BB61-01E16E05AA28}" type="slidenum">
               <a:rPr lang="en-US" smtClean="0"/>
-              <a:t>‹Nr.›</a:t>
+              <a:t>‹#›</a:t>
             </a:fld>
             <a:endParaRPr lang="en-US"/>
           </a:p>
@@ -763,7 +774,7 @@
           <a:p>
             <a:fld id="{11DF4037-C77C-4485-A1A7-A21C0C2A48B2}" type="datetimeFigureOut">
               <a:rPr lang="en-US" smtClean="0"/>
-              <a:t>7/29/16</a:t>
+              <a:t>8/15/2016</a:t>
             </a:fld>
             <a:endParaRPr lang="en-US"/>
           </a:p>
@@ -805,7 +816,7 @@
           <a:p>
             <a:fld id="{3463B86D-F204-47AF-BB61-01E16E05AA28}" type="slidenum">
               <a:rPr lang="en-US" smtClean="0"/>
-              <a:t>‹Nr.›</a:t>
+              <a:t>‹#›</a:t>
             </a:fld>
             <a:endParaRPr lang="en-US"/>
           </a:p>
@@ -1009,7 +1020,7 @@
           <a:p>
             <a:fld id="{11DF4037-C77C-4485-A1A7-A21C0C2A48B2}" type="datetimeFigureOut">
               <a:rPr lang="en-US" smtClean="0"/>
-              <a:t>7/29/16</a:t>
+              <a:t>8/15/2016</a:t>
             </a:fld>
             <a:endParaRPr lang="en-US"/>
           </a:p>
@@ -1051,7 +1062,7 @@
           <a:p>
             <a:fld id="{3463B86D-F204-47AF-BB61-01E16E05AA28}" type="slidenum">
               <a:rPr lang="en-US" smtClean="0"/>
-              <a:t>‹Nr.›</a:t>
+              <a:t>‹#›</a:t>
             </a:fld>
             <a:endParaRPr lang="en-US"/>
           </a:p>
@@ -1241,7 +1252,7 @@
           <a:p>
             <a:fld id="{11DF4037-C77C-4485-A1A7-A21C0C2A48B2}" type="datetimeFigureOut">
               <a:rPr lang="en-US" smtClean="0"/>
-              <a:t>7/29/16</a:t>
+              <a:t>8/15/2016</a:t>
             </a:fld>
             <a:endParaRPr lang="en-US"/>
           </a:p>
@@ -1283,7 +1294,7 @@
           <a:p>
             <a:fld id="{3463B86D-F204-47AF-BB61-01E16E05AA28}" type="slidenum">
               <a:rPr lang="en-US" smtClean="0"/>
-              <a:t>‹Nr.›</a:t>
+              <a:t>‹#›</a:t>
             </a:fld>
             <a:endParaRPr lang="en-US"/>
           </a:p>
@@ -1608,7 +1619,7 @@
           <a:p>
             <a:fld id="{11DF4037-C77C-4485-A1A7-A21C0C2A48B2}" type="datetimeFigureOut">
               <a:rPr lang="en-US" smtClean="0"/>
-              <a:t>7/29/16</a:t>
+              <a:t>8/15/2016</a:t>
             </a:fld>
             <a:endParaRPr lang="en-US"/>
           </a:p>
@@ -1650,7 +1661,7 @@
           <a:p>
             <a:fld id="{3463B86D-F204-47AF-BB61-01E16E05AA28}" type="slidenum">
               <a:rPr lang="en-US" smtClean="0"/>
-              <a:t>‹Nr.›</a:t>
+              <a:t>‹#›</a:t>
             </a:fld>
             <a:endParaRPr lang="en-US"/>
           </a:p>
@@ -1726,7 +1737,7 @@
           <a:p>
             <a:fld id="{11DF4037-C77C-4485-A1A7-A21C0C2A48B2}" type="datetimeFigureOut">
               <a:rPr lang="en-US" smtClean="0"/>
-              <a:t>7/29/16</a:t>
+              <a:t>8/15/2016</a:t>
             </a:fld>
             <a:endParaRPr lang="en-US"/>
           </a:p>
@@ -1768,7 +1779,7 @@
           <a:p>
             <a:fld id="{3463B86D-F204-47AF-BB61-01E16E05AA28}" type="slidenum">
               <a:rPr lang="en-US" smtClean="0"/>
-              <a:t>‹Nr.›</a:t>
+              <a:t>‹#›</a:t>
             </a:fld>
             <a:endParaRPr lang="en-US"/>
           </a:p>
@@ -1821,7 +1832,7 @@
           <a:p>
             <a:fld id="{11DF4037-C77C-4485-A1A7-A21C0C2A48B2}" type="datetimeFigureOut">
               <a:rPr lang="en-US" smtClean="0"/>
-              <a:t>7/29/16</a:t>
+              <a:t>8/15/2016</a:t>
             </a:fld>
             <a:endParaRPr lang="en-US"/>
           </a:p>
@@ -1863,7 +1874,7 @@
           <a:p>
             <a:fld id="{3463B86D-F204-47AF-BB61-01E16E05AA28}" type="slidenum">
               <a:rPr lang="en-US" smtClean="0"/>
-              <a:t>‹Nr.›</a:t>
+              <a:t>‹#›</a:t>
             </a:fld>
             <a:endParaRPr lang="en-US"/>
           </a:p>
@@ -2098,7 +2109,7 @@
           <a:p>
             <a:fld id="{11DF4037-C77C-4485-A1A7-A21C0C2A48B2}" type="datetimeFigureOut">
               <a:rPr lang="en-US" smtClean="0"/>
-              <a:t>7/29/16</a:t>
+              <a:t>8/15/2016</a:t>
             </a:fld>
             <a:endParaRPr lang="en-US"/>
           </a:p>
@@ -2140,7 +2151,7 @@
           <a:p>
             <a:fld id="{3463B86D-F204-47AF-BB61-01E16E05AA28}" type="slidenum">
               <a:rPr lang="en-US" smtClean="0"/>
-              <a:t>‹Nr.›</a:t>
+              <a:t>‹#›</a:t>
             </a:fld>
             <a:endParaRPr lang="en-US"/>
           </a:p>
@@ -2351,7 +2362,7 @@
           <a:p>
             <a:fld id="{11DF4037-C77C-4485-A1A7-A21C0C2A48B2}" type="datetimeFigureOut">
               <a:rPr lang="en-US" smtClean="0"/>
-              <a:t>7/29/16</a:t>
+              <a:t>8/15/2016</a:t>
             </a:fld>
             <a:endParaRPr lang="en-US"/>
           </a:p>
@@ -2393,7 +2404,7 @@
           <a:p>
             <a:fld id="{3463B86D-F204-47AF-BB61-01E16E05AA28}" type="slidenum">
               <a:rPr lang="en-US" smtClean="0"/>
-              <a:t>‹Nr.›</a:t>
+              <a:t>‹#›</a:t>
             </a:fld>
             <a:endParaRPr lang="en-US"/>
           </a:p>
@@ -2564,7 +2575,7 @@
           <a:p>
             <a:fld id="{11DF4037-C77C-4485-A1A7-A21C0C2A48B2}" type="datetimeFigureOut">
               <a:rPr lang="en-US" smtClean="0"/>
-              <a:t>7/29/16</a:t>
+              <a:t>8/15/2016</a:t>
             </a:fld>
             <a:endParaRPr lang="en-US"/>
           </a:p>
@@ -2642,7 +2653,7 @@
           <a:p>
             <a:fld id="{3463B86D-F204-47AF-BB61-01E16E05AA28}" type="slidenum">
               <a:rPr lang="en-US" smtClean="0"/>
-              <a:t>‹Nr.›</a:t>
+              <a:t>‹#›</a:t>
             </a:fld>
             <a:endParaRPr lang="en-US"/>
           </a:p>
@@ -4241,7 +4252,7 @@
         <p:spPr>
           <a:xfrm>
             <a:off x="2539913" y="3843655"/>
-            <a:ext cx="7753419" cy="16712"/>
+            <a:ext cx="8181860" cy="17145"/>
           </a:xfrm>
           <a:prstGeom prst="straightConnector1">
             <a:avLst/>
@@ -4780,6 +4791,168 @@
         <p:spPr>
           <a:xfrm>
             <a:off x="7175500" y="5410200"/>
+            <a:ext cx="1019292" cy="369332"/>
+          </a:xfrm>
+          <a:prstGeom prst="rect">
+            <a:avLst/>
+          </a:prstGeom>
+          <a:noFill/>
+        </p:spPr>
+        <p:txBody>
+          <a:bodyPr wrap="none" rtlCol="0">
+            <a:spAutoFit/>
+          </a:bodyPr>
+          <a:lstStyle/>
+          <a:p>
+            <a:r>
+              <a:rPr lang="en-US" dirty="0" smtClean="0"/>
+              <a:t>To pump</a:t>
+            </a:r>
+            <a:endParaRPr lang="en-US" dirty="0"/>
+          </a:p>
+        </p:txBody>
+      </p:sp>
+      <p:cxnSp>
+        <p:nvCxnSpPr>
+          <p:cNvPr id="3" name="Straight Connector 2"/>
+          <p:cNvCxnSpPr/>
+          <p:nvPr/>
+        </p:nvCxnSpPr>
+        <p:spPr>
+          <a:xfrm flipH="1">
+            <a:off x="10835014" y="1892300"/>
+            <a:ext cx="25052" cy="3898900"/>
+          </a:xfrm>
+          <a:prstGeom prst="line">
+            <a:avLst/>
+          </a:prstGeom>
+        </p:spPr>
+        <p:style>
+          <a:lnRef idx="1">
+            <a:schemeClr val="accent1"/>
+          </a:lnRef>
+          <a:fillRef idx="0">
+            <a:schemeClr val="accent1"/>
+          </a:fillRef>
+          <a:effectRef idx="0">
+            <a:schemeClr val="accent1"/>
+          </a:effectRef>
+          <a:fontRef idx="minor">
+            <a:schemeClr val="tx1"/>
+          </a:fontRef>
+        </p:style>
+      </p:cxnSp>
+      <p:sp>
+        <p:nvSpPr>
+          <p:cNvPr id="8" name="TextBox 7"/>
+          <p:cNvSpPr txBox="1"/>
+          <p:nvPr/>
+        </p:nvSpPr>
+        <p:spPr>
+          <a:xfrm>
+            <a:off x="9757392" y="1930400"/>
+            <a:ext cx="1102674" cy="369332"/>
+          </a:xfrm>
+          <a:prstGeom prst="rect">
+            <a:avLst/>
+          </a:prstGeom>
+          <a:noFill/>
+        </p:spPr>
+        <p:txBody>
+          <a:bodyPr wrap="none" rtlCol="0">
+            <a:spAutoFit/>
+          </a:bodyPr>
+          <a:lstStyle/>
+          <a:p>
+            <a:r>
+              <a:rPr lang="en-US" dirty="0" smtClean="0"/>
+              <a:t>Detection</a:t>
+            </a:r>
+            <a:endParaRPr lang="en-US" dirty="0"/>
+          </a:p>
+        </p:txBody>
+      </p:sp>
+      <p:sp>
+        <p:nvSpPr>
+          <p:cNvPr id="10" name="TextBox 9"/>
+          <p:cNvSpPr txBox="1"/>
+          <p:nvPr/>
+        </p:nvSpPr>
+        <p:spPr>
+          <a:xfrm>
+            <a:off x="9995484" y="3323081"/>
+            <a:ext cx="726289" cy="369332"/>
+          </a:xfrm>
+          <a:prstGeom prst="rect">
+            <a:avLst/>
+          </a:prstGeom>
+          <a:noFill/>
+        </p:spPr>
+        <p:txBody>
+          <a:bodyPr wrap="none" rtlCol="0">
+            <a:spAutoFit/>
+          </a:bodyPr>
+          <a:lstStyle/>
+          <a:p>
+            <a:r>
+              <a:rPr lang="en-US" dirty="0" err="1" smtClean="0"/>
+              <a:t>p</a:t>
+            </a:r>
+            <a:r>
+              <a:rPr lang="en-US" baseline="-25000" dirty="0" err="1" smtClean="0"/>
+              <a:t>cluster</a:t>
+            </a:r>
+            <a:endParaRPr lang="en-US" baseline="-25000" dirty="0"/>
+          </a:p>
+        </p:txBody>
+      </p:sp>
+      <p:sp>
+        <p:nvSpPr>
+          <p:cNvPr id="59" name="Pfeil nach unten 105"/>
+          <p:cNvSpPr/>
+          <p:nvPr/>
+        </p:nvSpPr>
+        <p:spPr>
+          <a:xfrm>
+            <a:off x="9844342" y="4724400"/>
+            <a:ext cx="482600" cy="596900"/>
+          </a:xfrm>
+          <a:prstGeom prst="downArrow">
+            <a:avLst/>
+          </a:prstGeom>
+        </p:spPr>
+        <p:style>
+          <a:lnRef idx="1">
+            <a:schemeClr val="accent1"/>
+          </a:lnRef>
+          <a:fillRef idx="3">
+            <a:schemeClr val="accent1"/>
+          </a:fillRef>
+          <a:effectRef idx="2">
+            <a:schemeClr val="accent1"/>
+          </a:effectRef>
+          <a:fontRef idx="minor">
+            <a:schemeClr val="lt1"/>
+          </a:fontRef>
+        </p:style>
+        <p:txBody>
+          <a:bodyPr rtlCol="0" anchor="ctr"/>
+          <a:lstStyle/>
+          <a:p>
+            <a:pPr algn="ctr"/>
+            <a:endParaRPr lang="en-US"/>
+          </a:p>
+        </p:txBody>
+      </p:sp>
+      <p:sp>
+        <p:nvSpPr>
+          <p:cNvPr id="60" name="Textfeld 106"/>
+          <p:cNvSpPr txBox="1"/>
+          <p:nvPr/>
+        </p:nvSpPr>
+        <p:spPr>
+          <a:xfrm>
+            <a:off x="9526842" y="5410200"/>
             <a:ext cx="1019292" cy="369332"/>
           </a:xfrm>
           <a:prstGeom prst="rect">
@@ -5069,7 +5242,7 @@
   <a:extraClrSchemeLst/>
   <a:extLst>
     <a:ext uri="{05A4C25C-085E-4340-85A3-A5531E510DB2}">
-      <thm15:themeFamily xmlns:thm15="http://schemas.microsoft.com/office/thememl/2012/main" xmlns="" name="Office Theme" id="{62F939B6-93AF-4DB8-9C6B-D6C7DFDC589F}" vid="{4A3C46E8-61CC-4603-A589-7422A47A8E4A}"/>
+      <thm15:themeFamily xmlns:thm15="http://schemas.microsoft.com/office/thememl/2012/main" name="Office Theme" id="{62F939B6-93AF-4DB8-9C6B-D6C7DFDC589F}" vid="{4A3C46E8-61CC-4603-A589-7422A47A8E4A}"/>
     </a:ext>
   </a:extLst>
 </a:theme>

--- a/images/pickup-source.pptx
+++ b/images/pickup-source.pptx
@@ -254,7 +254,7 @@
           <a:p>
             <a:fld id="{11DF4037-C77C-4485-A1A7-A21C0C2A48B2}" type="datetimeFigureOut">
               <a:rPr lang="en-US" smtClean="0"/>
-              <a:t>8/15/2016</a:t>
+              <a:t>12/13/16</a:t>
             </a:fld>
             <a:endParaRPr lang="en-US"/>
           </a:p>
@@ -424,7 +424,7 @@
           <a:p>
             <a:fld id="{11DF4037-C77C-4485-A1A7-A21C0C2A48B2}" type="datetimeFigureOut">
               <a:rPr lang="en-US" smtClean="0"/>
-              <a:t>8/15/2016</a:t>
+              <a:t>12/13/16</a:t>
             </a:fld>
             <a:endParaRPr lang="en-US"/>
           </a:p>
@@ -604,7 +604,7 @@
           <a:p>
             <a:fld id="{11DF4037-C77C-4485-A1A7-A21C0C2A48B2}" type="datetimeFigureOut">
               <a:rPr lang="en-US" smtClean="0"/>
-              <a:t>8/15/2016</a:t>
+              <a:t>12/13/16</a:t>
             </a:fld>
             <a:endParaRPr lang="en-US"/>
           </a:p>
@@ -774,7 +774,7 @@
           <a:p>
             <a:fld id="{11DF4037-C77C-4485-A1A7-A21C0C2A48B2}" type="datetimeFigureOut">
               <a:rPr lang="en-US" smtClean="0"/>
-              <a:t>8/15/2016</a:t>
+              <a:t>12/13/16</a:t>
             </a:fld>
             <a:endParaRPr lang="en-US"/>
           </a:p>
@@ -1020,7 +1020,7 @@
           <a:p>
             <a:fld id="{11DF4037-C77C-4485-A1A7-A21C0C2A48B2}" type="datetimeFigureOut">
               <a:rPr lang="en-US" smtClean="0"/>
-              <a:t>8/15/2016</a:t>
+              <a:t>12/13/16</a:t>
             </a:fld>
             <a:endParaRPr lang="en-US"/>
           </a:p>
@@ -1252,7 +1252,7 @@
           <a:p>
             <a:fld id="{11DF4037-C77C-4485-A1A7-A21C0C2A48B2}" type="datetimeFigureOut">
               <a:rPr lang="en-US" smtClean="0"/>
-              <a:t>8/15/2016</a:t>
+              <a:t>12/13/16</a:t>
             </a:fld>
             <a:endParaRPr lang="en-US"/>
           </a:p>
@@ -1619,7 +1619,7 @@
           <a:p>
             <a:fld id="{11DF4037-C77C-4485-A1A7-A21C0C2A48B2}" type="datetimeFigureOut">
               <a:rPr lang="en-US" smtClean="0"/>
-              <a:t>8/15/2016</a:t>
+              <a:t>12/13/16</a:t>
             </a:fld>
             <a:endParaRPr lang="en-US"/>
           </a:p>
@@ -1737,7 +1737,7 @@
           <a:p>
             <a:fld id="{11DF4037-C77C-4485-A1A7-A21C0C2A48B2}" type="datetimeFigureOut">
               <a:rPr lang="en-US" smtClean="0"/>
-              <a:t>8/15/2016</a:t>
+              <a:t>12/13/16</a:t>
             </a:fld>
             <a:endParaRPr lang="en-US"/>
           </a:p>
@@ -1832,7 +1832,7 @@
           <a:p>
             <a:fld id="{11DF4037-C77C-4485-A1A7-A21C0C2A48B2}" type="datetimeFigureOut">
               <a:rPr lang="en-US" smtClean="0"/>
-              <a:t>8/15/2016</a:t>
+              <a:t>12/13/16</a:t>
             </a:fld>
             <a:endParaRPr lang="en-US"/>
           </a:p>
@@ -2109,7 +2109,7 @@
           <a:p>
             <a:fld id="{11DF4037-C77C-4485-A1A7-A21C0C2A48B2}" type="datetimeFigureOut">
               <a:rPr lang="en-US" smtClean="0"/>
-              <a:t>8/15/2016</a:t>
+              <a:t>12/13/16</a:t>
             </a:fld>
             <a:endParaRPr lang="en-US"/>
           </a:p>
@@ -2362,7 +2362,7 @@
           <a:p>
             <a:fld id="{11DF4037-C77C-4485-A1A7-A21C0C2A48B2}" type="datetimeFigureOut">
               <a:rPr lang="en-US" smtClean="0"/>
-              <a:t>8/15/2016</a:t>
+              <a:t>12/13/16</a:t>
             </a:fld>
             <a:endParaRPr lang="en-US"/>
           </a:p>
@@ -2575,7 +2575,7 @@
           <a:p>
             <a:fld id="{11DF4037-C77C-4485-A1A7-A21C0C2A48B2}" type="datetimeFigureOut">
               <a:rPr lang="en-US" smtClean="0"/>
-              <a:t>8/15/2016</a:t>
+              <a:t>12/13/16</a:t>
             </a:fld>
             <a:endParaRPr lang="en-US"/>
           </a:p>
@@ -2980,2000 +2980,2015 @@
           <a:chExt cx="0" cy="0"/>
         </a:xfrm>
       </p:grpSpPr>
-      <p:sp>
-        <p:nvSpPr>
-          <p:cNvPr id="7" name="TextBox 6"/>
-          <p:cNvSpPr txBox="1"/>
+      <p:grpSp>
+        <p:nvGrpSpPr>
+          <p:cNvPr id="2" name="Group 1"/>
+          <p:cNvGrpSpPr/>
           <p:nvPr/>
-        </p:nvSpPr>
-        <p:spPr>
+        </p:nvGrpSpPr>
+        <p:grpSpPr>
           <a:xfrm>
-            <a:off x="1003300" y="3610413"/>
-            <a:ext cx="1219200" cy="461665"/>
+            <a:off x="732912" y="1892300"/>
+            <a:ext cx="10127154" cy="3898900"/>
+            <a:chOff x="732912" y="1892300"/>
+            <a:chExt cx="10127154" cy="3898900"/>
           </a:xfrm>
-          <a:prstGeom prst="rect">
-            <a:avLst/>
-          </a:prstGeom>
-          <a:noFill/>
-          <a:ln>
-            <a:solidFill>
-              <a:schemeClr val="bg1"/>
-            </a:solidFill>
-          </a:ln>
-        </p:spPr>
-        <p:txBody>
-          <a:bodyPr wrap="square" rtlCol="0">
-            <a:spAutoFit/>
-          </a:bodyPr>
-          <a:lstStyle/>
-          <a:p>
-            <a:r>
-              <a:rPr lang="en-US" sz="2400" dirty="0" smtClean="0"/>
-              <a:t>p</a:t>
-            </a:r>
-            <a:r>
-              <a:rPr lang="en-US" sz="2400" baseline="-25000" dirty="0" smtClean="0"/>
-              <a:t>0 </a:t>
-            </a:r>
-            <a:r>
-              <a:rPr lang="en-US" sz="2400" dirty="0" smtClean="0"/>
-              <a:t>, T</a:t>
-            </a:r>
-            <a:r>
-              <a:rPr lang="en-US" sz="2400" baseline="-25000" dirty="0" smtClean="0"/>
-              <a:t>0 </a:t>
-            </a:r>
-            <a:endParaRPr lang="en-US" sz="2400" dirty="0" smtClean="0"/>
-          </a:p>
-        </p:txBody>
-      </p:sp>
-      <p:sp>
-        <p:nvSpPr>
-          <p:cNvPr id="4" name="Half Frame 3"/>
-          <p:cNvSpPr/>
-          <p:nvPr/>
-        </p:nvSpPr>
-        <p:spPr>
-          <a:xfrm rot="10800000">
-            <a:off x="732912" y="4033527"/>
-            <a:ext cx="1748590" cy="914400"/>
-          </a:xfrm>
-          <a:prstGeom prst="halfFrame">
-            <a:avLst/>
-          </a:prstGeom>
-        </p:spPr>
-        <p:style>
-          <a:lnRef idx="2">
-            <a:schemeClr val="accent1">
-              <a:shade val="50000"/>
-            </a:schemeClr>
-          </a:lnRef>
-          <a:fillRef idx="1">
-            <a:schemeClr val="accent1"/>
-          </a:fillRef>
-          <a:effectRef idx="0">
-            <a:schemeClr val="accent1"/>
-          </a:effectRef>
-          <a:fontRef idx="minor">
-            <a:schemeClr val="lt1"/>
-          </a:fontRef>
-        </p:style>
-        <p:txBody>
-          <a:bodyPr rtlCol="0" anchor="ctr"/>
-          <a:lstStyle/>
-          <a:p>
-            <a:pPr algn="ctr"/>
-            <a:endParaRPr lang="en-US">
+        </p:grpSpPr>
+        <p:sp>
+          <p:nvSpPr>
+            <p:cNvPr id="7" name="TextBox 6"/>
+            <p:cNvSpPr txBox="1"/>
+            <p:nvPr/>
+          </p:nvSpPr>
+          <p:spPr>
+            <a:xfrm>
+              <a:off x="1003300" y="3610413"/>
+              <a:ext cx="1219200" cy="461665"/>
+            </a:xfrm>
+            <a:prstGeom prst="rect">
+              <a:avLst/>
+            </a:prstGeom>
+            <a:noFill/>
+            <a:ln>
               <a:solidFill>
-                <a:schemeClr val="tx1"/>
+                <a:schemeClr val="bg1"/>
               </a:solidFill>
-            </a:endParaRPr>
-          </a:p>
-        </p:txBody>
-      </p:sp>
-      <p:sp>
-        <p:nvSpPr>
-          <p:cNvPr id="6" name="Half Frame 5"/>
-          <p:cNvSpPr/>
-          <p:nvPr/>
-        </p:nvSpPr>
-        <p:spPr>
-          <a:xfrm rot="10800000" flipV="1">
-            <a:off x="732912" y="2699131"/>
-            <a:ext cx="1748590" cy="962527"/>
-          </a:xfrm>
-          <a:prstGeom prst="halfFrame">
-            <a:avLst/>
-          </a:prstGeom>
-        </p:spPr>
-        <p:style>
-          <a:lnRef idx="2">
-            <a:schemeClr val="accent1">
-              <a:shade val="50000"/>
-            </a:schemeClr>
-          </a:lnRef>
-          <a:fillRef idx="1">
-            <a:schemeClr val="accent1"/>
-          </a:fillRef>
-          <a:effectRef idx="0">
-            <a:schemeClr val="accent1"/>
-          </a:effectRef>
-          <a:fontRef idx="minor">
-            <a:schemeClr val="lt1"/>
-          </a:fontRef>
-        </p:style>
-        <p:txBody>
-          <a:bodyPr rtlCol="0" anchor="ctr"/>
-          <a:lstStyle/>
-          <a:p>
-            <a:pPr algn="ctr"/>
-            <a:endParaRPr lang="en-US">
+            </a:ln>
+          </p:spPr>
+          <p:txBody>
+            <a:bodyPr wrap="square" rtlCol="0">
+              <a:spAutoFit/>
+            </a:bodyPr>
+            <a:lstStyle/>
+            <a:p>
+              <a:r>
+                <a:rPr lang="en-US" sz="2400" dirty="0" smtClean="0"/>
+                <a:t>p</a:t>
+              </a:r>
+              <a:r>
+                <a:rPr lang="en-US" sz="2400" baseline="-25000" dirty="0" smtClean="0"/>
+                <a:t>0 </a:t>
+              </a:r>
+              <a:r>
+                <a:rPr lang="en-US" sz="2400" dirty="0" smtClean="0"/>
+                <a:t>, T</a:t>
+              </a:r>
+              <a:r>
+                <a:rPr lang="en-US" sz="2400" baseline="-25000" dirty="0" smtClean="0"/>
+                <a:t>0 </a:t>
+              </a:r>
+              <a:endParaRPr lang="en-US" sz="2400" dirty="0" smtClean="0"/>
+            </a:p>
+          </p:txBody>
+        </p:sp>
+        <p:sp>
+          <p:nvSpPr>
+            <p:cNvPr id="4" name="Half Frame 3"/>
+            <p:cNvSpPr/>
+            <p:nvPr/>
+          </p:nvSpPr>
+          <p:spPr>
+            <a:xfrm rot="10800000">
+              <a:off x="732912" y="4033527"/>
+              <a:ext cx="1748590" cy="914400"/>
+            </a:xfrm>
+            <a:prstGeom prst="halfFrame">
+              <a:avLst/>
+            </a:prstGeom>
+          </p:spPr>
+          <p:style>
+            <a:lnRef idx="2">
+              <a:schemeClr val="accent1">
+                <a:shade val="50000"/>
+              </a:schemeClr>
+            </a:lnRef>
+            <a:fillRef idx="1">
+              <a:schemeClr val="accent1"/>
+            </a:fillRef>
+            <a:effectRef idx="0">
+              <a:schemeClr val="accent1"/>
+            </a:effectRef>
+            <a:fontRef idx="minor">
+              <a:schemeClr val="lt1"/>
+            </a:fontRef>
+          </p:style>
+          <p:txBody>
+            <a:bodyPr rtlCol="0" anchor="ctr"/>
+            <a:lstStyle/>
+            <a:p>
+              <a:pPr algn="ctr"/>
+              <a:endParaRPr lang="en-US">
+                <a:solidFill>
+                  <a:schemeClr val="tx1"/>
+                </a:solidFill>
+              </a:endParaRPr>
+            </a:p>
+          </p:txBody>
+        </p:sp>
+        <p:sp>
+          <p:nvSpPr>
+            <p:cNvPr id="6" name="Half Frame 5"/>
+            <p:cNvSpPr/>
+            <p:nvPr/>
+          </p:nvSpPr>
+          <p:spPr>
+            <a:xfrm rot="10800000" flipV="1">
+              <a:off x="732912" y="2699131"/>
+              <a:ext cx="1748590" cy="962527"/>
+            </a:xfrm>
+            <a:prstGeom prst="halfFrame">
+              <a:avLst/>
+            </a:prstGeom>
+          </p:spPr>
+          <p:style>
+            <a:lnRef idx="2">
+              <a:schemeClr val="accent1">
+                <a:shade val="50000"/>
+              </a:schemeClr>
+            </a:lnRef>
+            <a:fillRef idx="1">
+              <a:schemeClr val="accent1"/>
+            </a:fillRef>
+            <a:effectRef idx="0">
+              <a:schemeClr val="accent1"/>
+            </a:effectRef>
+            <a:fontRef idx="minor">
+              <a:schemeClr val="lt1"/>
+            </a:fontRef>
+          </p:style>
+          <p:txBody>
+            <a:bodyPr rtlCol="0" anchor="ctr"/>
+            <a:lstStyle/>
+            <a:p>
+              <a:pPr algn="ctr"/>
+              <a:endParaRPr lang="en-US">
+                <a:solidFill>
+                  <a:schemeClr val="tx1"/>
+                </a:solidFill>
+              </a:endParaRPr>
+            </a:p>
+          </p:txBody>
+        </p:sp>
+        <p:cxnSp>
+          <p:nvCxnSpPr>
+            <p:cNvPr id="5" name="Straight Arrow Connector 4"/>
+            <p:cNvCxnSpPr/>
+            <p:nvPr/>
+          </p:nvCxnSpPr>
+          <p:spPr>
+            <a:xfrm flipH="1" flipV="1">
+              <a:off x="1202499" y="4450435"/>
+              <a:ext cx="112734" cy="40291"/>
+            </a:xfrm>
+            <a:prstGeom prst="straightConnector1">
+              <a:avLst/>
+            </a:prstGeom>
+            <a:ln>
               <a:solidFill>
-                <a:schemeClr val="tx1"/>
+                <a:srgbClr val="ED7D31"/>
               </a:solidFill>
-            </a:endParaRPr>
-          </a:p>
-        </p:txBody>
-      </p:sp>
-      <p:cxnSp>
-        <p:nvCxnSpPr>
-          <p:cNvPr id="5" name="Straight Arrow Connector 4"/>
-          <p:cNvCxnSpPr/>
-          <p:nvPr/>
-        </p:nvCxnSpPr>
-        <p:spPr>
-          <a:xfrm flipH="1" flipV="1">
-            <a:off x="1202499" y="4450435"/>
-            <a:ext cx="112734" cy="40291"/>
-          </a:xfrm>
-          <a:prstGeom prst="straightConnector1">
-            <a:avLst/>
-          </a:prstGeom>
-          <a:ln>
-            <a:solidFill>
-              <a:srgbClr val="ED7D31"/>
-            </a:solidFill>
-            <a:tailEnd type="triangle"/>
-          </a:ln>
-        </p:spPr>
-        <p:style>
-          <a:lnRef idx="1">
-            <a:schemeClr val="accent1"/>
-          </a:lnRef>
-          <a:fillRef idx="0">
-            <a:schemeClr val="accent1"/>
-          </a:fillRef>
-          <a:effectRef idx="0">
-            <a:schemeClr val="accent1"/>
-          </a:effectRef>
-          <a:fontRef idx="minor">
-            <a:schemeClr val="tx1"/>
-          </a:fontRef>
-        </p:style>
-      </p:cxnSp>
-      <p:cxnSp>
-        <p:nvCxnSpPr>
-          <p:cNvPr id="13" name="Straight Arrow Connector 12"/>
-          <p:cNvCxnSpPr/>
-          <p:nvPr/>
-        </p:nvCxnSpPr>
-        <p:spPr>
-          <a:xfrm flipV="1">
-            <a:off x="1688342" y="4369932"/>
-            <a:ext cx="82309" cy="64777"/>
-          </a:xfrm>
-          <a:prstGeom prst="straightConnector1">
-            <a:avLst/>
-          </a:prstGeom>
-          <a:ln>
-            <a:solidFill>
-              <a:srgbClr val="ED7D31"/>
-            </a:solidFill>
-            <a:tailEnd type="triangle"/>
-          </a:ln>
-        </p:spPr>
-        <p:style>
-          <a:lnRef idx="1">
-            <a:schemeClr val="accent1"/>
-          </a:lnRef>
-          <a:fillRef idx="0">
-            <a:schemeClr val="accent1"/>
-          </a:fillRef>
-          <a:effectRef idx="0">
-            <a:schemeClr val="accent1"/>
-          </a:effectRef>
-          <a:fontRef idx="minor">
-            <a:schemeClr val="tx1"/>
-          </a:fontRef>
-        </p:style>
-      </p:cxnSp>
-      <p:cxnSp>
-        <p:nvCxnSpPr>
-          <p:cNvPr id="17" name="Straight Arrow Connector 16"/>
-          <p:cNvCxnSpPr/>
-          <p:nvPr/>
-        </p:nvCxnSpPr>
-        <p:spPr>
-          <a:xfrm flipH="1">
-            <a:off x="1418283" y="4467846"/>
-            <a:ext cx="97642" cy="38467"/>
-          </a:xfrm>
-          <a:prstGeom prst="straightConnector1">
-            <a:avLst/>
-          </a:prstGeom>
-          <a:ln>
-            <a:solidFill>
-              <a:srgbClr val="ED7D31"/>
-            </a:solidFill>
-            <a:tailEnd type="triangle"/>
-          </a:ln>
-        </p:spPr>
-        <p:style>
-          <a:lnRef idx="1">
-            <a:schemeClr val="accent1"/>
-          </a:lnRef>
-          <a:fillRef idx="0">
-            <a:schemeClr val="accent1"/>
-          </a:fillRef>
-          <a:effectRef idx="0">
-            <a:schemeClr val="accent1"/>
-          </a:effectRef>
-          <a:fontRef idx="minor">
-            <a:schemeClr val="tx1"/>
-          </a:fontRef>
-        </p:style>
-      </p:cxnSp>
-      <p:cxnSp>
-        <p:nvCxnSpPr>
-          <p:cNvPr id="19" name="Straight Arrow Connector 18"/>
-          <p:cNvCxnSpPr/>
-          <p:nvPr/>
-        </p:nvCxnSpPr>
-        <p:spPr>
-          <a:xfrm flipH="1" flipV="1">
-            <a:off x="1866900" y="3068643"/>
-            <a:ext cx="35092" cy="111752"/>
-          </a:xfrm>
-          <a:prstGeom prst="straightConnector1">
-            <a:avLst/>
-          </a:prstGeom>
-          <a:ln>
-            <a:solidFill>
-              <a:srgbClr val="ED7D31"/>
-            </a:solidFill>
-            <a:tailEnd type="triangle"/>
-          </a:ln>
-        </p:spPr>
-        <p:style>
-          <a:lnRef idx="1">
-            <a:schemeClr val="accent1"/>
-          </a:lnRef>
-          <a:fillRef idx="0">
-            <a:schemeClr val="accent1"/>
-          </a:fillRef>
-          <a:effectRef idx="0">
-            <a:schemeClr val="accent1"/>
-          </a:effectRef>
-          <a:fontRef idx="minor">
-            <a:schemeClr val="tx1"/>
-          </a:fontRef>
-        </p:style>
-      </p:cxnSp>
-      <p:cxnSp>
-        <p:nvCxnSpPr>
-          <p:cNvPr id="21" name="Straight Arrow Connector 20"/>
-          <p:cNvCxnSpPr/>
-          <p:nvPr/>
-        </p:nvCxnSpPr>
-        <p:spPr>
-          <a:xfrm flipH="1" flipV="1">
-            <a:off x="1567408" y="4264905"/>
-            <a:ext cx="82209" cy="45025"/>
-          </a:xfrm>
-          <a:prstGeom prst="straightConnector1">
-            <a:avLst/>
-          </a:prstGeom>
-          <a:ln>
-            <a:solidFill>
-              <a:srgbClr val="ED7D31"/>
-            </a:solidFill>
-            <a:tailEnd type="triangle"/>
-          </a:ln>
-        </p:spPr>
-        <p:style>
-          <a:lnRef idx="1">
-            <a:schemeClr val="accent1"/>
-          </a:lnRef>
-          <a:fillRef idx="0">
-            <a:schemeClr val="accent1"/>
-          </a:fillRef>
-          <a:effectRef idx="0">
-            <a:schemeClr val="accent1"/>
-          </a:effectRef>
-          <a:fontRef idx="minor">
-            <a:schemeClr val="tx1"/>
-          </a:fontRef>
-        </p:style>
-      </p:cxnSp>
-      <p:cxnSp>
-        <p:nvCxnSpPr>
-          <p:cNvPr id="23" name="Straight Arrow Connector 22"/>
-          <p:cNvCxnSpPr/>
-          <p:nvPr/>
-        </p:nvCxnSpPr>
-        <p:spPr>
-          <a:xfrm flipH="1">
-            <a:off x="1778591" y="4489749"/>
-            <a:ext cx="52698" cy="82916"/>
-          </a:xfrm>
-          <a:prstGeom prst="straightConnector1">
-            <a:avLst/>
-          </a:prstGeom>
-          <a:ln>
-            <a:solidFill>
-              <a:srgbClr val="ED7D31"/>
-            </a:solidFill>
-            <a:tailEnd type="triangle"/>
-          </a:ln>
-        </p:spPr>
-        <p:style>
-          <a:lnRef idx="1">
-            <a:schemeClr val="accent1"/>
-          </a:lnRef>
-          <a:fillRef idx="0">
-            <a:schemeClr val="accent1"/>
-          </a:fillRef>
-          <a:effectRef idx="0">
-            <a:schemeClr val="accent1"/>
-          </a:effectRef>
-          <a:fontRef idx="minor">
-            <a:schemeClr val="tx1"/>
-          </a:fontRef>
-        </p:style>
-      </p:cxnSp>
-      <p:cxnSp>
-        <p:nvCxnSpPr>
-          <p:cNvPr id="25" name="Straight Arrow Connector 24"/>
-          <p:cNvCxnSpPr/>
-          <p:nvPr/>
-        </p:nvCxnSpPr>
-        <p:spPr>
-          <a:xfrm>
-            <a:off x="1558741" y="4525546"/>
-            <a:ext cx="77360" cy="38467"/>
-          </a:xfrm>
-          <a:prstGeom prst="straightConnector1">
-            <a:avLst/>
-          </a:prstGeom>
-          <a:ln>
-            <a:solidFill>
-              <a:srgbClr val="ED7D31"/>
-            </a:solidFill>
-            <a:tailEnd type="triangle"/>
-          </a:ln>
-        </p:spPr>
-        <p:style>
-          <a:lnRef idx="1">
-            <a:schemeClr val="accent1"/>
-          </a:lnRef>
-          <a:fillRef idx="0">
-            <a:schemeClr val="accent1"/>
-          </a:fillRef>
-          <a:effectRef idx="0">
-            <a:schemeClr val="accent1"/>
-          </a:effectRef>
-          <a:fontRef idx="minor">
-            <a:schemeClr val="tx1"/>
-          </a:fontRef>
-        </p:style>
-      </p:cxnSp>
-      <p:cxnSp>
-        <p:nvCxnSpPr>
-          <p:cNvPr id="27" name="Straight Arrow Connector 26"/>
-          <p:cNvCxnSpPr/>
-          <p:nvPr/>
-        </p:nvCxnSpPr>
-        <p:spPr>
-          <a:xfrm>
-            <a:off x="1260288" y="4239023"/>
-            <a:ext cx="55294" cy="89618"/>
-          </a:xfrm>
-          <a:prstGeom prst="straightConnector1">
-            <a:avLst/>
-          </a:prstGeom>
-          <a:ln>
-            <a:solidFill>
-              <a:srgbClr val="ED7D31"/>
-            </a:solidFill>
-            <a:tailEnd type="triangle"/>
-          </a:ln>
-        </p:spPr>
-        <p:style>
-          <a:lnRef idx="1">
-            <a:schemeClr val="accent1"/>
-          </a:lnRef>
-          <a:fillRef idx="0">
-            <a:schemeClr val="accent1"/>
-          </a:fillRef>
-          <a:effectRef idx="0">
-            <a:schemeClr val="accent1"/>
-          </a:effectRef>
-          <a:fontRef idx="minor">
-            <a:schemeClr val="tx1"/>
-          </a:fontRef>
-        </p:style>
-      </p:cxnSp>
-      <p:cxnSp>
-        <p:nvCxnSpPr>
-          <p:cNvPr id="29" name="Straight Arrow Connector 28"/>
-          <p:cNvCxnSpPr/>
-          <p:nvPr/>
-        </p:nvCxnSpPr>
-        <p:spPr>
-          <a:xfrm flipV="1">
-            <a:off x="1446638" y="4256476"/>
-            <a:ext cx="44663" cy="93778"/>
-          </a:xfrm>
-          <a:prstGeom prst="straightConnector1">
-            <a:avLst/>
-          </a:prstGeom>
-          <a:ln>
-            <a:solidFill>
-              <a:srgbClr val="ED7D31"/>
-            </a:solidFill>
-            <a:tailEnd type="triangle"/>
-          </a:ln>
-        </p:spPr>
-        <p:style>
-          <a:lnRef idx="1">
-            <a:schemeClr val="accent1"/>
-          </a:lnRef>
-          <a:fillRef idx="0">
-            <a:schemeClr val="accent1"/>
-          </a:fillRef>
-          <a:effectRef idx="0">
-            <a:schemeClr val="accent1"/>
-          </a:effectRef>
-          <a:fontRef idx="minor">
-            <a:schemeClr val="tx1"/>
-          </a:fontRef>
-        </p:style>
-      </p:cxnSp>
-      <p:cxnSp>
-        <p:nvCxnSpPr>
-          <p:cNvPr id="39" name="Straight Arrow Connector 38"/>
-          <p:cNvCxnSpPr/>
-          <p:nvPr/>
-        </p:nvCxnSpPr>
-        <p:spPr>
-          <a:xfrm flipV="1">
-            <a:off x="1989578" y="4489749"/>
-            <a:ext cx="116721" cy="16564"/>
-          </a:xfrm>
-          <a:prstGeom prst="straightConnector1">
-            <a:avLst/>
-          </a:prstGeom>
-          <a:ln>
-            <a:solidFill>
-              <a:srgbClr val="ED7D31"/>
-            </a:solidFill>
-            <a:tailEnd type="triangle"/>
-          </a:ln>
-        </p:spPr>
-        <p:style>
-          <a:lnRef idx="1">
-            <a:schemeClr val="accent1"/>
-          </a:lnRef>
-          <a:fillRef idx="0">
-            <a:schemeClr val="accent1"/>
-          </a:fillRef>
-          <a:effectRef idx="0">
-            <a:schemeClr val="accent1"/>
-          </a:effectRef>
-          <a:fontRef idx="minor">
-            <a:schemeClr val="tx1"/>
-          </a:fontRef>
-        </p:style>
-      </p:cxnSp>
-      <p:cxnSp>
-        <p:nvCxnSpPr>
-          <p:cNvPr id="42" name="Straight Arrow Connector 41"/>
-          <p:cNvCxnSpPr/>
-          <p:nvPr/>
-        </p:nvCxnSpPr>
-        <p:spPr>
-          <a:xfrm flipH="1">
-            <a:off x="1972051" y="4327741"/>
-            <a:ext cx="39088" cy="91578"/>
-          </a:xfrm>
-          <a:prstGeom prst="straightConnector1">
-            <a:avLst/>
-          </a:prstGeom>
-          <a:ln>
-            <a:solidFill>
-              <a:srgbClr val="ED7D31"/>
-            </a:solidFill>
-            <a:tailEnd type="triangle"/>
-          </a:ln>
-        </p:spPr>
-        <p:style>
-          <a:lnRef idx="1">
-            <a:schemeClr val="accent1"/>
-          </a:lnRef>
-          <a:fillRef idx="0">
-            <a:schemeClr val="accent1"/>
-          </a:fillRef>
-          <a:effectRef idx="0">
-            <a:schemeClr val="accent1"/>
-          </a:effectRef>
-          <a:fontRef idx="minor">
-            <a:schemeClr val="tx1"/>
-          </a:fontRef>
-        </p:style>
-      </p:cxnSp>
-      <p:cxnSp>
-        <p:nvCxnSpPr>
-          <p:cNvPr id="45" name="Straight Arrow Connector 44"/>
-          <p:cNvCxnSpPr/>
-          <p:nvPr/>
-        </p:nvCxnSpPr>
-        <p:spPr>
-          <a:xfrm flipH="1" flipV="1">
-            <a:off x="1770018" y="4258374"/>
-            <a:ext cx="88129" cy="7395"/>
-          </a:xfrm>
-          <a:prstGeom prst="straightConnector1">
-            <a:avLst/>
-          </a:prstGeom>
-          <a:ln>
-            <a:solidFill>
-              <a:srgbClr val="ED7D31"/>
-            </a:solidFill>
-            <a:tailEnd type="triangle"/>
-          </a:ln>
-        </p:spPr>
-        <p:style>
-          <a:lnRef idx="1">
-            <a:schemeClr val="accent1"/>
-          </a:lnRef>
-          <a:fillRef idx="0">
-            <a:schemeClr val="accent1"/>
-          </a:fillRef>
-          <a:effectRef idx="0">
-            <a:schemeClr val="accent1"/>
-          </a:effectRef>
-          <a:fontRef idx="minor">
-            <a:schemeClr val="tx1"/>
-          </a:fontRef>
-        </p:style>
-      </p:cxnSp>
-      <p:cxnSp>
-        <p:nvCxnSpPr>
-          <p:cNvPr id="76" name="Straight Arrow Connector 75"/>
-          <p:cNvCxnSpPr/>
-          <p:nvPr/>
-        </p:nvCxnSpPr>
-        <p:spPr>
-          <a:xfrm flipH="1">
-            <a:off x="1315233" y="3301633"/>
-            <a:ext cx="97642" cy="38467"/>
-          </a:xfrm>
-          <a:prstGeom prst="straightConnector1">
-            <a:avLst/>
-          </a:prstGeom>
-          <a:ln>
-            <a:solidFill>
-              <a:srgbClr val="ED7D31"/>
-            </a:solidFill>
-            <a:tailEnd type="triangle"/>
-          </a:ln>
-        </p:spPr>
-        <p:style>
-          <a:lnRef idx="1">
-            <a:schemeClr val="accent1"/>
-          </a:lnRef>
-          <a:fillRef idx="0">
-            <a:schemeClr val="accent1"/>
-          </a:fillRef>
-          <a:effectRef idx="0">
-            <a:schemeClr val="accent1"/>
-          </a:effectRef>
-          <a:fontRef idx="minor">
-            <a:schemeClr val="tx1"/>
-          </a:fontRef>
-        </p:style>
-      </p:cxnSp>
-      <p:cxnSp>
-        <p:nvCxnSpPr>
-          <p:cNvPr id="77" name="Straight Arrow Connector 76"/>
-          <p:cNvCxnSpPr/>
-          <p:nvPr/>
-        </p:nvCxnSpPr>
-        <p:spPr>
-          <a:xfrm flipH="1" flipV="1">
-            <a:off x="1566152" y="3135370"/>
-            <a:ext cx="82209" cy="45025"/>
-          </a:xfrm>
-          <a:prstGeom prst="straightConnector1">
-            <a:avLst/>
-          </a:prstGeom>
-          <a:ln>
-            <a:solidFill>
-              <a:srgbClr val="ED7D31"/>
-            </a:solidFill>
-            <a:tailEnd type="triangle"/>
-          </a:ln>
-        </p:spPr>
-        <p:style>
-          <a:lnRef idx="1">
-            <a:schemeClr val="accent1"/>
-          </a:lnRef>
-          <a:fillRef idx="0">
-            <a:schemeClr val="accent1"/>
-          </a:fillRef>
-          <a:effectRef idx="0">
-            <a:schemeClr val="accent1"/>
-          </a:effectRef>
-          <a:fontRef idx="minor">
-            <a:schemeClr val="tx1"/>
-          </a:fontRef>
-        </p:style>
-      </p:cxnSp>
-      <p:cxnSp>
-        <p:nvCxnSpPr>
-          <p:cNvPr id="78" name="Straight Arrow Connector 77"/>
-          <p:cNvCxnSpPr/>
-          <p:nvPr/>
-        </p:nvCxnSpPr>
-        <p:spPr>
-          <a:xfrm flipH="1">
-            <a:off x="1799057" y="3319890"/>
-            <a:ext cx="52698" cy="82916"/>
-          </a:xfrm>
-          <a:prstGeom prst="straightConnector1">
-            <a:avLst/>
-          </a:prstGeom>
-          <a:ln>
-            <a:solidFill>
-              <a:srgbClr val="ED7D31"/>
-            </a:solidFill>
-            <a:tailEnd type="triangle"/>
-          </a:ln>
-        </p:spPr>
-        <p:style>
-          <a:lnRef idx="1">
-            <a:schemeClr val="accent1"/>
-          </a:lnRef>
-          <a:fillRef idx="0">
-            <a:schemeClr val="accent1"/>
-          </a:fillRef>
-          <a:effectRef idx="0">
-            <a:schemeClr val="accent1"/>
-          </a:effectRef>
-          <a:fontRef idx="minor">
-            <a:schemeClr val="tx1"/>
-          </a:fontRef>
-        </p:style>
-      </p:cxnSp>
-      <p:cxnSp>
-        <p:nvCxnSpPr>
-          <p:cNvPr id="80" name="Straight Arrow Connector 79"/>
-          <p:cNvCxnSpPr/>
-          <p:nvPr/>
-        </p:nvCxnSpPr>
-        <p:spPr>
-          <a:xfrm>
-            <a:off x="1539289" y="3320866"/>
-            <a:ext cx="77360" cy="38467"/>
-          </a:xfrm>
-          <a:prstGeom prst="straightConnector1">
-            <a:avLst/>
-          </a:prstGeom>
-          <a:ln>
-            <a:solidFill>
-              <a:srgbClr val="ED7D31"/>
-            </a:solidFill>
-            <a:tailEnd type="triangle"/>
-          </a:ln>
-        </p:spPr>
-        <p:style>
-          <a:lnRef idx="1">
-            <a:schemeClr val="accent1"/>
-          </a:lnRef>
-          <a:fillRef idx="0">
-            <a:schemeClr val="accent1"/>
-          </a:fillRef>
-          <a:effectRef idx="0">
-            <a:schemeClr val="accent1"/>
-          </a:effectRef>
-          <a:fontRef idx="minor">
-            <a:schemeClr val="tx1"/>
-          </a:fontRef>
-        </p:style>
-      </p:cxnSp>
-      <p:cxnSp>
-        <p:nvCxnSpPr>
-          <p:cNvPr id="81" name="Straight Arrow Connector 80"/>
-          <p:cNvCxnSpPr/>
-          <p:nvPr/>
-        </p:nvCxnSpPr>
-        <p:spPr>
-          <a:xfrm>
-            <a:off x="1308760" y="3114557"/>
-            <a:ext cx="55294" cy="89618"/>
-          </a:xfrm>
-          <a:prstGeom prst="straightConnector1">
-            <a:avLst/>
-          </a:prstGeom>
-          <a:ln>
-            <a:solidFill>
-              <a:srgbClr val="ED7D31"/>
-            </a:solidFill>
-            <a:tailEnd type="triangle"/>
-          </a:ln>
-        </p:spPr>
-        <p:style>
-          <a:lnRef idx="1">
-            <a:schemeClr val="accent1"/>
-          </a:lnRef>
-          <a:fillRef idx="0">
-            <a:schemeClr val="accent1"/>
-          </a:fillRef>
-          <a:effectRef idx="0">
-            <a:schemeClr val="accent1"/>
-          </a:effectRef>
-          <a:fontRef idx="minor">
-            <a:schemeClr val="tx1"/>
-          </a:fontRef>
-        </p:style>
-      </p:cxnSp>
-      <p:cxnSp>
-        <p:nvCxnSpPr>
-          <p:cNvPr id="83" name="Straight Arrow Connector 82"/>
-          <p:cNvCxnSpPr/>
-          <p:nvPr/>
-        </p:nvCxnSpPr>
-        <p:spPr>
-          <a:xfrm flipV="1">
-            <a:off x="1467104" y="3086617"/>
-            <a:ext cx="44663" cy="93778"/>
-          </a:xfrm>
-          <a:prstGeom prst="straightConnector1">
-            <a:avLst/>
-          </a:prstGeom>
-          <a:ln>
-            <a:solidFill>
-              <a:srgbClr val="ED7D31"/>
-            </a:solidFill>
-            <a:tailEnd type="triangle"/>
-          </a:ln>
-        </p:spPr>
-        <p:style>
-          <a:lnRef idx="1">
-            <a:schemeClr val="accent1"/>
-          </a:lnRef>
-          <a:fillRef idx="0">
-            <a:schemeClr val="accent1"/>
-          </a:fillRef>
-          <a:effectRef idx="0">
-            <a:schemeClr val="accent1"/>
-          </a:effectRef>
-          <a:fontRef idx="minor">
-            <a:schemeClr val="tx1"/>
-          </a:fontRef>
-        </p:style>
-      </p:cxnSp>
-      <p:cxnSp>
-        <p:nvCxnSpPr>
-          <p:cNvPr id="84" name="Straight Arrow Connector 83"/>
-          <p:cNvCxnSpPr/>
-          <p:nvPr/>
-        </p:nvCxnSpPr>
-        <p:spPr>
-          <a:xfrm flipV="1">
-            <a:off x="2010044" y="3319890"/>
-            <a:ext cx="116721" cy="16564"/>
-          </a:xfrm>
-          <a:prstGeom prst="straightConnector1">
-            <a:avLst/>
-          </a:prstGeom>
-          <a:ln>
-            <a:solidFill>
-              <a:srgbClr val="ED7D31"/>
-            </a:solidFill>
-            <a:tailEnd type="triangle"/>
-          </a:ln>
-        </p:spPr>
-        <p:style>
-          <a:lnRef idx="1">
-            <a:schemeClr val="accent1"/>
-          </a:lnRef>
-          <a:fillRef idx="0">
-            <a:schemeClr val="accent1"/>
-          </a:fillRef>
-          <a:effectRef idx="0">
-            <a:schemeClr val="accent1"/>
-          </a:effectRef>
-          <a:fontRef idx="minor">
-            <a:schemeClr val="tx1"/>
-          </a:fontRef>
-        </p:style>
-      </p:cxnSp>
-      <p:cxnSp>
-        <p:nvCxnSpPr>
-          <p:cNvPr id="85" name="Straight Arrow Connector 84"/>
-          <p:cNvCxnSpPr/>
-          <p:nvPr/>
-        </p:nvCxnSpPr>
-        <p:spPr>
-          <a:xfrm flipH="1">
-            <a:off x="1992517" y="3157882"/>
-            <a:ext cx="39088" cy="91578"/>
-          </a:xfrm>
-          <a:prstGeom prst="straightConnector1">
-            <a:avLst/>
-          </a:prstGeom>
-          <a:ln>
-            <a:solidFill>
-              <a:srgbClr val="ED7D31"/>
-            </a:solidFill>
-            <a:tailEnd type="triangle"/>
-          </a:ln>
-        </p:spPr>
-        <p:style>
-          <a:lnRef idx="1">
-            <a:schemeClr val="accent1"/>
-          </a:lnRef>
-          <a:fillRef idx="0">
-            <a:schemeClr val="accent1"/>
-          </a:fillRef>
-          <a:effectRef idx="0">
-            <a:schemeClr val="accent1"/>
-          </a:effectRef>
-          <a:fontRef idx="minor">
-            <a:schemeClr val="tx1"/>
-          </a:fontRef>
-        </p:style>
-      </p:cxnSp>
-      <p:cxnSp>
-        <p:nvCxnSpPr>
-          <p:cNvPr id="87" name="Straight Arrow Connector 86"/>
-          <p:cNvCxnSpPr/>
-          <p:nvPr/>
-        </p:nvCxnSpPr>
-        <p:spPr>
-          <a:xfrm flipH="1" flipV="1">
-            <a:off x="1767852" y="3204175"/>
-            <a:ext cx="88129" cy="7395"/>
-          </a:xfrm>
-          <a:prstGeom prst="straightConnector1">
-            <a:avLst/>
-          </a:prstGeom>
-          <a:ln>
-            <a:solidFill>
-              <a:srgbClr val="ED7D31"/>
-            </a:solidFill>
-            <a:tailEnd type="triangle"/>
-          </a:ln>
-        </p:spPr>
-        <p:style>
-          <a:lnRef idx="1">
-            <a:schemeClr val="accent1"/>
-          </a:lnRef>
-          <a:fillRef idx="0">
-            <a:schemeClr val="accent1"/>
-          </a:fillRef>
-          <a:effectRef idx="0">
-            <a:schemeClr val="accent1"/>
-          </a:effectRef>
-          <a:fontRef idx="minor">
-            <a:schemeClr val="tx1"/>
-          </a:fontRef>
-        </p:style>
-      </p:cxnSp>
-      <p:cxnSp>
-        <p:nvCxnSpPr>
-          <p:cNvPr id="53" name="Straight Arrow Connector 52"/>
-          <p:cNvCxnSpPr/>
-          <p:nvPr/>
-        </p:nvCxnSpPr>
-        <p:spPr>
-          <a:xfrm flipV="1">
-            <a:off x="1969068" y="3471871"/>
-            <a:ext cx="28337" cy="97388"/>
-          </a:xfrm>
-          <a:prstGeom prst="straightConnector1">
-            <a:avLst/>
-          </a:prstGeom>
-          <a:ln>
-            <a:solidFill>
-              <a:srgbClr val="ED7D31"/>
-            </a:solidFill>
-            <a:tailEnd type="triangle"/>
-          </a:ln>
-        </p:spPr>
-        <p:style>
-          <a:lnRef idx="1">
-            <a:schemeClr val="accent1"/>
-          </a:lnRef>
-          <a:fillRef idx="0">
-            <a:schemeClr val="accent1"/>
-          </a:fillRef>
-          <a:effectRef idx="0">
-            <a:schemeClr val="accent1"/>
-          </a:effectRef>
-          <a:fontRef idx="minor">
-            <a:schemeClr val="tx1"/>
-          </a:fontRef>
-        </p:style>
-      </p:cxnSp>
-      <p:cxnSp>
-        <p:nvCxnSpPr>
-          <p:cNvPr id="56" name="Straight Arrow Connector 55"/>
-          <p:cNvCxnSpPr/>
-          <p:nvPr/>
-        </p:nvCxnSpPr>
-        <p:spPr>
-          <a:xfrm flipH="1">
-            <a:off x="1632425" y="3415759"/>
-            <a:ext cx="68569" cy="78178"/>
-          </a:xfrm>
-          <a:prstGeom prst="straightConnector1">
-            <a:avLst/>
-          </a:prstGeom>
-          <a:ln>
-            <a:solidFill>
-              <a:srgbClr val="ED7D31"/>
-            </a:solidFill>
-            <a:tailEnd type="triangle"/>
-          </a:ln>
-        </p:spPr>
-        <p:style>
-          <a:lnRef idx="1">
-            <a:schemeClr val="accent1"/>
-          </a:lnRef>
-          <a:fillRef idx="0">
-            <a:schemeClr val="accent1"/>
-          </a:fillRef>
-          <a:effectRef idx="0">
-            <a:schemeClr val="accent1"/>
-          </a:effectRef>
-          <a:fontRef idx="minor">
-            <a:schemeClr val="tx1"/>
-          </a:fontRef>
-        </p:style>
-      </p:cxnSp>
-      <p:cxnSp>
-        <p:nvCxnSpPr>
-          <p:cNvPr id="62" name="Straight Arrow Connector 61"/>
-          <p:cNvCxnSpPr/>
-          <p:nvPr/>
-        </p:nvCxnSpPr>
-        <p:spPr>
-          <a:xfrm>
-            <a:off x="1321965" y="3460379"/>
-            <a:ext cx="69477" cy="94737"/>
-          </a:xfrm>
-          <a:prstGeom prst="straightConnector1">
-            <a:avLst/>
-          </a:prstGeom>
-          <a:ln>
-            <a:solidFill>
-              <a:srgbClr val="ED7D31"/>
-            </a:solidFill>
-            <a:tailEnd type="triangle"/>
-          </a:ln>
-        </p:spPr>
-        <p:style>
-          <a:lnRef idx="1">
-            <a:schemeClr val="accent1"/>
-          </a:lnRef>
-          <a:fillRef idx="0">
-            <a:schemeClr val="accent1"/>
-          </a:fillRef>
-          <a:effectRef idx="0">
-            <a:schemeClr val="accent1"/>
-          </a:effectRef>
-          <a:fontRef idx="minor">
-            <a:schemeClr val="tx1"/>
-          </a:fontRef>
-        </p:style>
-      </p:cxnSp>
-      <p:cxnSp>
-        <p:nvCxnSpPr>
-          <p:cNvPr id="88" name="Straight Arrow Connector 87"/>
-          <p:cNvCxnSpPr/>
-          <p:nvPr/>
-        </p:nvCxnSpPr>
-        <p:spPr>
-          <a:xfrm>
-            <a:off x="2177979" y="3710523"/>
-            <a:ext cx="98496" cy="4227"/>
-          </a:xfrm>
-          <a:prstGeom prst="straightConnector1">
-            <a:avLst/>
-          </a:prstGeom>
-          <a:ln>
-            <a:solidFill>
-              <a:srgbClr val="ED7D31"/>
-            </a:solidFill>
-            <a:tailEnd type="triangle"/>
-          </a:ln>
-        </p:spPr>
-        <p:style>
-          <a:lnRef idx="1">
-            <a:schemeClr val="accent1"/>
-          </a:lnRef>
-          <a:fillRef idx="0">
-            <a:schemeClr val="accent1"/>
-          </a:fillRef>
-          <a:effectRef idx="0">
-            <a:schemeClr val="accent1"/>
-          </a:effectRef>
-          <a:fontRef idx="minor">
-            <a:schemeClr val="tx1"/>
-          </a:fontRef>
-        </p:style>
-      </p:cxnSp>
-      <p:cxnSp>
-        <p:nvCxnSpPr>
-          <p:cNvPr id="91" name="Straight Arrow Connector 90"/>
-          <p:cNvCxnSpPr/>
-          <p:nvPr/>
-        </p:nvCxnSpPr>
-        <p:spPr>
-          <a:xfrm>
-            <a:off x="2344071" y="3714750"/>
-            <a:ext cx="135604" cy="0"/>
-          </a:xfrm>
-          <a:prstGeom prst="straightConnector1">
-            <a:avLst/>
-          </a:prstGeom>
-          <a:ln>
-            <a:solidFill>
-              <a:srgbClr val="ED7D31"/>
-            </a:solidFill>
-            <a:tailEnd type="triangle"/>
-          </a:ln>
-        </p:spPr>
-        <p:style>
-          <a:lnRef idx="1">
-            <a:schemeClr val="accent1"/>
-          </a:lnRef>
-          <a:fillRef idx="0">
-            <a:schemeClr val="accent1"/>
-          </a:fillRef>
-          <a:effectRef idx="0">
-            <a:schemeClr val="accent1"/>
-          </a:effectRef>
-          <a:fontRef idx="minor">
-            <a:schemeClr val="tx1"/>
-          </a:fontRef>
-        </p:style>
-      </p:cxnSp>
-      <p:cxnSp>
-        <p:nvCxnSpPr>
-          <p:cNvPr id="94" name="Straight Arrow Connector 93"/>
-          <p:cNvCxnSpPr/>
-          <p:nvPr/>
-        </p:nvCxnSpPr>
-        <p:spPr>
-          <a:xfrm flipV="1">
-            <a:off x="2180772" y="3990975"/>
-            <a:ext cx="95703" cy="958"/>
-          </a:xfrm>
-          <a:prstGeom prst="straightConnector1">
-            <a:avLst/>
-          </a:prstGeom>
-          <a:ln>
-            <a:solidFill>
-              <a:srgbClr val="ED7D31"/>
-            </a:solidFill>
-            <a:tailEnd type="triangle"/>
-          </a:ln>
-        </p:spPr>
-        <p:style>
-          <a:lnRef idx="1">
-            <a:schemeClr val="accent1"/>
-          </a:lnRef>
-          <a:fillRef idx="0">
-            <a:schemeClr val="accent1"/>
-          </a:fillRef>
-          <a:effectRef idx="0">
-            <a:schemeClr val="accent1"/>
-          </a:effectRef>
-          <a:fontRef idx="minor">
-            <a:schemeClr val="tx1"/>
-          </a:fontRef>
-        </p:style>
-      </p:cxnSp>
-      <p:cxnSp>
-        <p:nvCxnSpPr>
-          <p:cNvPr id="96" name="Straight Arrow Connector 95"/>
-          <p:cNvCxnSpPr/>
-          <p:nvPr/>
-        </p:nvCxnSpPr>
-        <p:spPr>
-          <a:xfrm flipV="1">
-            <a:off x="2336228" y="3990975"/>
-            <a:ext cx="146622" cy="958"/>
-          </a:xfrm>
-          <a:prstGeom prst="straightConnector1">
-            <a:avLst/>
-          </a:prstGeom>
-          <a:ln>
-            <a:solidFill>
-              <a:srgbClr val="ED7D31"/>
-            </a:solidFill>
-            <a:tailEnd type="triangle"/>
-          </a:ln>
-        </p:spPr>
-        <p:style>
-          <a:lnRef idx="1">
-            <a:schemeClr val="accent1"/>
-          </a:lnRef>
-          <a:fillRef idx="0">
-            <a:schemeClr val="accent1"/>
-          </a:fillRef>
-          <a:effectRef idx="0">
-            <a:schemeClr val="accent1"/>
-          </a:effectRef>
-          <a:fontRef idx="minor">
-            <a:schemeClr val="tx1"/>
-          </a:fontRef>
-        </p:style>
-      </p:cxnSp>
-      <p:cxnSp>
-        <p:nvCxnSpPr>
-          <p:cNvPr id="9" name="Gerade Verbindung 8"/>
-          <p:cNvCxnSpPr/>
-          <p:nvPr/>
-        </p:nvCxnSpPr>
-        <p:spPr>
-          <a:xfrm flipV="1">
-            <a:off x="6218183" y="1892300"/>
-            <a:ext cx="4817" cy="1420488"/>
-          </a:xfrm>
-          <a:prstGeom prst="line">
-            <a:avLst/>
-          </a:prstGeom>
-        </p:spPr>
-        <p:style>
-          <a:lnRef idx="2">
-            <a:schemeClr val="accent1"/>
-          </a:lnRef>
-          <a:fillRef idx="0">
-            <a:schemeClr val="accent1"/>
-          </a:fillRef>
-          <a:effectRef idx="1">
-            <a:schemeClr val="accent1"/>
-          </a:effectRef>
-          <a:fontRef idx="minor">
-            <a:schemeClr val="tx1"/>
-          </a:fontRef>
-        </p:style>
-      </p:cxnSp>
-      <p:cxnSp>
-        <p:nvCxnSpPr>
-          <p:cNvPr id="16" name="Gerade Verbindung 15"/>
-          <p:cNvCxnSpPr/>
-          <p:nvPr/>
-        </p:nvCxnSpPr>
-        <p:spPr>
-          <a:xfrm flipH="1">
-            <a:off x="6172200" y="4353952"/>
-            <a:ext cx="27193" cy="1424548"/>
-          </a:xfrm>
-          <a:prstGeom prst="line">
-            <a:avLst/>
-          </a:prstGeom>
-        </p:spPr>
-        <p:style>
-          <a:lnRef idx="2">
-            <a:schemeClr val="accent1"/>
-          </a:lnRef>
-          <a:fillRef idx="0">
-            <a:schemeClr val="accent1"/>
-          </a:fillRef>
-          <a:effectRef idx="1">
-            <a:schemeClr val="accent1"/>
-          </a:effectRef>
-          <a:fontRef idx="minor">
-            <a:schemeClr val="tx1"/>
-          </a:fontRef>
-        </p:style>
-      </p:cxnSp>
-      <p:cxnSp>
-        <p:nvCxnSpPr>
-          <p:cNvPr id="20" name="Gerade Verbindung 19"/>
-          <p:cNvCxnSpPr/>
-          <p:nvPr/>
-        </p:nvCxnSpPr>
-        <p:spPr>
-          <a:xfrm flipH="1">
-            <a:off x="5491480" y="3307939"/>
-            <a:ext cx="722893" cy="349661"/>
-          </a:xfrm>
-          <a:prstGeom prst="line">
-            <a:avLst/>
-          </a:prstGeom>
-        </p:spPr>
-        <p:style>
-          <a:lnRef idx="2">
-            <a:schemeClr val="accent1"/>
-          </a:lnRef>
-          <a:fillRef idx="0">
-            <a:schemeClr val="accent1"/>
-          </a:fillRef>
-          <a:effectRef idx="1">
-            <a:schemeClr val="accent1"/>
-          </a:effectRef>
-          <a:fontRef idx="minor">
-            <a:schemeClr val="tx1"/>
-          </a:fontRef>
-        </p:style>
-      </p:cxnSp>
-      <p:cxnSp>
-        <p:nvCxnSpPr>
-          <p:cNvPr id="26" name="Gerade Verbindung 25"/>
-          <p:cNvCxnSpPr/>
-          <p:nvPr/>
-        </p:nvCxnSpPr>
-        <p:spPr>
-          <a:xfrm flipH="1" flipV="1">
-            <a:off x="5486400" y="4023360"/>
-            <a:ext cx="711201" cy="335281"/>
-          </a:xfrm>
-          <a:prstGeom prst="line">
-            <a:avLst/>
-          </a:prstGeom>
-        </p:spPr>
-        <p:style>
-          <a:lnRef idx="2">
-            <a:schemeClr val="accent1"/>
-          </a:lnRef>
-          <a:fillRef idx="0">
-            <a:schemeClr val="accent1"/>
-          </a:fillRef>
-          <a:effectRef idx="1">
-            <a:schemeClr val="accent1"/>
-          </a:effectRef>
-          <a:fontRef idx="minor">
-            <a:schemeClr val="tx1"/>
-          </a:fontRef>
-        </p:style>
-      </p:cxnSp>
-      <p:cxnSp>
-        <p:nvCxnSpPr>
-          <p:cNvPr id="41" name="Gerade Verbindung mit Pfeil 40"/>
-          <p:cNvCxnSpPr/>
-          <p:nvPr/>
-        </p:nvCxnSpPr>
-        <p:spPr>
-          <a:xfrm>
-            <a:off x="2539913" y="3843655"/>
-            <a:ext cx="8181860" cy="17145"/>
-          </a:xfrm>
-          <a:prstGeom prst="straightConnector1">
-            <a:avLst/>
-          </a:prstGeom>
-          <a:ln w="28575" cmpd="sng">
-            <a:solidFill>
-              <a:schemeClr val="accent2"/>
-            </a:solidFill>
-            <a:prstDash val="dash"/>
-            <a:tailEnd type="arrow"/>
-          </a:ln>
-        </p:spPr>
-        <p:style>
-          <a:lnRef idx="2">
-            <a:schemeClr val="accent1"/>
-          </a:lnRef>
-          <a:fillRef idx="0">
-            <a:schemeClr val="accent1"/>
-          </a:fillRef>
-          <a:effectRef idx="1">
-            <a:schemeClr val="accent1"/>
-          </a:effectRef>
-          <a:fontRef idx="minor">
-            <a:schemeClr val="tx1"/>
-          </a:fontRef>
-        </p:style>
-      </p:cxnSp>
-      <p:sp>
-        <p:nvSpPr>
-          <p:cNvPr id="58" name="Textfeld 57"/>
-          <p:cNvSpPr txBox="1"/>
-          <p:nvPr/>
-        </p:nvSpPr>
-        <p:spPr>
-          <a:xfrm>
-            <a:off x="3822700" y="2425700"/>
-            <a:ext cx="330929" cy="369332"/>
-          </a:xfrm>
-          <a:prstGeom prst="rect">
-            <a:avLst/>
-          </a:prstGeom>
-          <a:noFill/>
-        </p:spPr>
-        <p:txBody>
-          <a:bodyPr wrap="square" rtlCol="0">
-            <a:spAutoFit/>
-          </a:bodyPr>
-          <a:lstStyle/>
-          <a:p>
-            <a:r>
-              <a:rPr lang="en-US" b="1" dirty="0" smtClean="0">
+              <a:tailEnd type="triangle"/>
+            </a:ln>
+          </p:spPr>
+          <p:style>
+            <a:lnRef idx="1">
+              <a:schemeClr val="accent1"/>
+            </a:lnRef>
+            <a:fillRef idx="0">
+              <a:schemeClr val="accent1"/>
+            </a:fillRef>
+            <a:effectRef idx="0">
+              <a:schemeClr val="accent1"/>
+            </a:effectRef>
+            <a:fontRef idx="minor">
+              <a:schemeClr val="tx1"/>
+            </a:fontRef>
+          </p:style>
+        </p:cxnSp>
+        <p:cxnSp>
+          <p:nvCxnSpPr>
+            <p:cNvPr id="13" name="Straight Arrow Connector 12"/>
+            <p:cNvCxnSpPr/>
+            <p:nvPr/>
+          </p:nvCxnSpPr>
+          <p:spPr>
+            <a:xfrm flipV="1">
+              <a:off x="1688342" y="4369932"/>
+              <a:ext cx="82309" cy="64777"/>
+            </a:xfrm>
+            <a:prstGeom prst="straightConnector1">
+              <a:avLst/>
+            </a:prstGeom>
+            <a:ln>
+              <a:solidFill>
+                <a:srgbClr val="ED7D31"/>
+              </a:solidFill>
+              <a:tailEnd type="triangle"/>
+            </a:ln>
+          </p:spPr>
+          <p:style>
+            <a:lnRef idx="1">
+              <a:schemeClr val="accent1"/>
+            </a:lnRef>
+            <a:fillRef idx="0">
+              <a:schemeClr val="accent1"/>
+            </a:fillRef>
+            <a:effectRef idx="0">
+              <a:schemeClr val="accent1"/>
+            </a:effectRef>
+            <a:fontRef idx="minor">
+              <a:schemeClr val="tx1"/>
+            </a:fontRef>
+          </p:style>
+        </p:cxnSp>
+        <p:cxnSp>
+          <p:nvCxnSpPr>
+            <p:cNvPr id="17" name="Straight Arrow Connector 16"/>
+            <p:cNvCxnSpPr/>
+            <p:nvPr/>
+          </p:nvCxnSpPr>
+          <p:spPr>
+            <a:xfrm flipH="1">
+              <a:off x="1418283" y="4467846"/>
+              <a:ext cx="97642" cy="38467"/>
+            </a:xfrm>
+            <a:prstGeom prst="straightConnector1">
+              <a:avLst/>
+            </a:prstGeom>
+            <a:ln>
+              <a:solidFill>
+                <a:srgbClr val="ED7D31"/>
+              </a:solidFill>
+              <a:tailEnd type="triangle"/>
+            </a:ln>
+          </p:spPr>
+          <p:style>
+            <a:lnRef idx="1">
+              <a:schemeClr val="accent1"/>
+            </a:lnRef>
+            <a:fillRef idx="0">
+              <a:schemeClr val="accent1"/>
+            </a:fillRef>
+            <a:effectRef idx="0">
+              <a:schemeClr val="accent1"/>
+            </a:effectRef>
+            <a:fontRef idx="minor">
+              <a:schemeClr val="tx1"/>
+            </a:fontRef>
+          </p:style>
+        </p:cxnSp>
+        <p:cxnSp>
+          <p:nvCxnSpPr>
+            <p:cNvPr id="19" name="Straight Arrow Connector 18"/>
+            <p:cNvCxnSpPr/>
+            <p:nvPr/>
+          </p:nvCxnSpPr>
+          <p:spPr>
+            <a:xfrm flipH="1" flipV="1">
+              <a:off x="1866900" y="3068643"/>
+              <a:ext cx="35092" cy="111752"/>
+            </a:xfrm>
+            <a:prstGeom prst="straightConnector1">
+              <a:avLst/>
+            </a:prstGeom>
+            <a:ln>
+              <a:solidFill>
+                <a:srgbClr val="ED7D31"/>
+              </a:solidFill>
+              <a:tailEnd type="triangle"/>
+            </a:ln>
+          </p:spPr>
+          <p:style>
+            <a:lnRef idx="1">
+              <a:schemeClr val="accent1"/>
+            </a:lnRef>
+            <a:fillRef idx="0">
+              <a:schemeClr val="accent1"/>
+            </a:fillRef>
+            <a:effectRef idx="0">
+              <a:schemeClr val="accent1"/>
+            </a:effectRef>
+            <a:fontRef idx="minor">
+              <a:schemeClr val="tx1"/>
+            </a:fontRef>
+          </p:style>
+        </p:cxnSp>
+        <p:cxnSp>
+          <p:nvCxnSpPr>
+            <p:cNvPr id="21" name="Straight Arrow Connector 20"/>
+            <p:cNvCxnSpPr/>
+            <p:nvPr/>
+          </p:nvCxnSpPr>
+          <p:spPr>
+            <a:xfrm flipH="1" flipV="1">
+              <a:off x="1567408" y="4264905"/>
+              <a:ext cx="82209" cy="45025"/>
+            </a:xfrm>
+            <a:prstGeom prst="straightConnector1">
+              <a:avLst/>
+            </a:prstGeom>
+            <a:ln>
+              <a:solidFill>
+                <a:srgbClr val="ED7D31"/>
+              </a:solidFill>
+              <a:tailEnd type="triangle"/>
+            </a:ln>
+          </p:spPr>
+          <p:style>
+            <a:lnRef idx="1">
+              <a:schemeClr val="accent1"/>
+            </a:lnRef>
+            <a:fillRef idx="0">
+              <a:schemeClr val="accent1"/>
+            </a:fillRef>
+            <a:effectRef idx="0">
+              <a:schemeClr val="accent1"/>
+            </a:effectRef>
+            <a:fontRef idx="minor">
+              <a:schemeClr val="tx1"/>
+            </a:fontRef>
+          </p:style>
+        </p:cxnSp>
+        <p:cxnSp>
+          <p:nvCxnSpPr>
+            <p:cNvPr id="23" name="Straight Arrow Connector 22"/>
+            <p:cNvCxnSpPr/>
+            <p:nvPr/>
+          </p:nvCxnSpPr>
+          <p:spPr>
+            <a:xfrm flipH="1">
+              <a:off x="1778591" y="4489749"/>
+              <a:ext cx="52698" cy="82916"/>
+            </a:xfrm>
+            <a:prstGeom prst="straightConnector1">
+              <a:avLst/>
+            </a:prstGeom>
+            <a:ln>
+              <a:solidFill>
+                <a:srgbClr val="ED7D31"/>
+              </a:solidFill>
+              <a:tailEnd type="triangle"/>
+            </a:ln>
+          </p:spPr>
+          <p:style>
+            <a:lnRef idx="1">
+              <a:schemeClr val="accent1"/>
+            </a:lnRef>
+            <a:fillRef idx="0">
+              <a:schemeClr val="accent1"/>
+            </a:fillRef>
+            <a:effectRef idx="0">
+              <a:schemeClr val="accent1"/>
+            </a:effectRef>
+            <a:fontRef idx="minor">
+              <a:schemeClr val="tx1"/>
+            </a:fontRef>
+          </p:style>
+        </p:cxnSp>
+        <p:cxnSp>
+          <p:nvCxnSpPr>
+            <p:cNvPr id="25" name="Straight Arrow Connector 24"/>
+            <p:cNvCxnSpPr/>
+            <p:nvPr/>
+          </p:nvCxnSpPr>
+          <p:spPr>
+            <a:xfrm>
+              <a:off x="1558741" y="4525546"/>
+              <a:ext cx="77360" cy="38467"/>
+            </a:xfrm>
+            <a:prstGeom prst="straightConnector1">
+              <a:avLst/>
+            </a:prstGeom>
+            <a:ln>
+              <a:solidFill>
+                <a:srgbClr val="ED7D31"/>
+              </a:solidFill>
+              <a:tailEnd type="triangle"/>
+            </a:ln>
+          </p:spPr>
+          <p:style>
+            <a:lnRef idx="1">
+              <a:schemeClr val="accent1"/>
+            </a:lnRef>
+            <a:fillRef idx="0">
+              <a:schemeClr val="accent1"/>
+            </a:fillRef>
+            <a:effectRef idx="0">
+              <a:schemeClr val="accent1"/>
+            </a:effectRef>
+            <a:fontRef idx="minor">
+              <a:schemeClr val="tx1"/>
+            </a:fontRef>
+          </p:style>
+        </p:cxnSp>
+        <p:cxnSp>
+          <p:nvCxnSpPr>
+            <p:cNvPr id="27" name="Straight Arrow Connector 26"/>
+            <p:cNvCxnSpPr/>
+            <p:nvPr/>
+          </p:nvCxnSpPr>
+          <p:spPr>
+            <a:xfrm>
+              <a:off x="1260288" y="4239023"/>
+              <a:ext cx="55294" cy="89618"/>
+            </a:xfrm>
+            <a:prstGeom prst="straightConnector1">
+              <a:avLst/>
+            </a:prstGeom>
+            <a:ln>
+              <a:solidFill>
+                <a:srgbClr val="ED7D31"/>
+              </a:solidFill>
+              <a:tailEnd type="triangle"/>
+            </a:ln>
+          </p:spPr>
+          <p:style>
+            <a:lnRef idx="1">
+              <a:schemeClr val="accent1"/>
+            </a:lnRef>
+            <a:fillRef idx="0">
+              <a:schemeClr val="accent1"/>
+            </a:fillRef>
+            <a:effectRef idx="0">
+              <a:schemeClr val="accent1"/>
+            </a:effectRef>
+            <a:fontRef idx="minor">
+              <a:schemeClr val="tx1"/>
+            </a:fontRef>
+          </p:style>
+        </p:cxnSp>
+        <p:cxnSp>
+          <p:nvCxnSpPr>
+            <p:cNvPr id="29" name="Straight Arrow Connector 28"/>
+            <p:cNvCxnSpPr/>
+            <p:nvPr/>
+          </p:nvCxnSpPr>
+          <p:spPr>
+            <a:xfrm flipV="1">
+              <a:off x="1446638" y="4256476"/>
+              <a:ext cx="44663" cy="93778"/>
+            </a:xfrm>
+            <a:prstGeom prst="straightConnector1">
+              <a:avLst/>
+            </a:prstGeom>
+            <a:ln>
+              <a:solidFill>
+                <a:srgbClr val="ED7D31"/>
+              </a:solidFill>
+              <a:tailEnd type="triangle"/>
+            </a:ln>
+          </p:spPr>
+          <p:style>
+            <a:lnRef idx="1">
+              <a:schemeClr val="accent1"/>
+            </a:lnRef>
+            <a:fillRef idx="0">
+              <a:schemeClr val="accent1"/>
+            </a:fillRef>
+            <a:effectRef idx="0">
+              <a:schemeClr val="accent1"/>
+            </a:effectRef>
+            <a:fontRef idx="minor">
+              <a:schemeClr val="tx1"/>
+            </a:fontRef>
+          </p:style>
+        </p:cxnSp>
+        <p:cxnSp>
+          <p:nvCxnSpPr>
+            <p:cNvPr id="39" name="Straight Arrow Connector 38"/>
+            <p:cNvCxnSpPr/>
+            <p:nvPr/>
+          </p:nvCxnSpPr>
+          <p:spPr>
+            <a:xfrm flipV="1">
+              <a:off x="1989578" y="4489749"/>
+              <a:ext cx="116721" cy="16564"/>
+            </a:xfrm>
+            <a:prstGeom prst="straightConnector1">
+              <a:avLst/>
+            </a:prstGeom>
+            <a:ln>
+              <a:solidFill>
+                <a:srgbClr val="ED7D31"/>
+              </a:solidFill>
+              <a:tailEnd type="triangle"/>
+            </a:ln>
+          </p:spPr>
+          <p:style>
+            <a:lnRef idx="1">
+              <a:schemeClr val="accent1"/>
+            </a:lnRef>
+            <a:fillRef idx="0">
+              <a:schemeClr val="accent1"/>
+            </a:fillRef>
+            <a:effectRef idx="0">
+              <a:schemeClr val="accent1"/>
+            </a:effectRef>
+            <a:fontRef idx="minor">
+              <a:schemeClr val="tx1"/>
+            </a:fontRef>
+          </p:style>
+        </p:cxnSp>
+        <p:cxnSp>
+          <p:nvCxnSpPr>
+            <p:cNvPr id="42" name="Straight Arrow Connector 41"/>
+            <p:cNvCxnSpPr/>
+            <p:nvPr/>
+          </p:nvCxnSpPr>
+          <p:spPr>
+            <a:xfrm flipH="1">
+              <a:off x="1972051" y="4327741"/>
+              <a:ext cx="39088" cy="91578"/>
+            </a:xfrm>
+            <a:prstGeom prst="straightConnector1">
+              <a:avLst/>
+            </a:prstGeom>
+            <a:ln>
+              <a:solidFill>
+                <a:srgbClr val="ED7D31"/>
+              </a:solidFill>
+              <a:tailEnd type="triangle"/>
+            </a:ln>
+          </p:spPr>
+          <p:style>
+            <a:lnRef idx="1">
+              <a:schemeClr val="accent1"/>
+            </a:lnRef>
+            <a:fillRef idx="0">
+              <a:schemeClr val="accent1"/>
+            </a:fillRef>
+            <a:effectRef idx="0">
+              <a:schemeClr val="accent1"/>
+            </a:effectRef>
+            <a:fontRef idx="minor">
+              <a:schemeClr val="tx1"/>
+            </a:fontRef>
+          </p:style>
+        </p:cxnSp>
+        <p:cxnSp>
+          <p:nvCxnSpPr>
+            <p:cNvPr id="45" name="Straight Arrow Connector 44"/>
+            <p:cNvCxnSpPr/>
+            <p:nvPr/>
+          </p:nvCxnSpPr>
+          <p:spPr>
+            <a:xfrm flipH="1" flipV="1">
+              <a:off x="1770018" y="4258374"/>
+              <a:ext cx="88129" cy="7395"/>
+            </a:xfrm>
+            <a:prstGeom prst="straightConnector1">
+              <a:avLst/>
+            </a:prstGeom>
+            <a:ln>
+              <a:solidFill>
+                <a:srgbClr val="ED7D31"/>
+              </a:solidFill>
+              <a:tailEnd type="triangle"/>
+            </a:ln>
+          </p:spPr>
+          <p:style>
+            <a:lnRef idx="1">
+              <a:schemeClr val="accent1"/>
+            </a:lnRef>
+            <a:fillRef idx="0">
+              <a:schemeClr val="accent1"/>
+            </a:fillRef>
+            <a:effectRef idx="0">
+              <a:schemeClr val="accent1"/>
+            </a:effectRef>
+            <a:fontRef idx="minor">
+              <a:schemeClr val="tx1"/>
+            </a:fontRef>
+          </p:style>
+        </p:cxnSp>
+        <p:cxnSp>
+          <p:nvCxnSpPr>
+            <p:cNvPr id="76" name="Straight Arrow Connector 75"/>
+            <p:cNvCxnSpPr/>
+            <p:nvPr/>
+          </p:nvCxnSpPr>
+          <p:spPr>
+            <a:xfrm flipH="1">
+              <a:off x="1315233" y="3301633"/>
+              <a:ext cx="97642" cy="38467"/>
+            </a:xfrm>
+            <a:prstGeom prst="straightConnector1">
+              <a:avLst/>
+            </a:prstGeom>
+            <a:ln>
+              <a:solidFill>
+                <a:srgbClr val="ED7D31"/>
+              </a:solidFill>
+              <a:tailEnd type="triangle"/>
+            </a:ln>
+          </p:spPr>
+          <p:style>
+            <a:lnRef idx="1">
+              <a:schemeClr val="accent1"/>
+            </a:lnRef>
+            <a:fillRef idx="0">
+              <a:schemeClr val="accent1"/>
+            </a:fillRef>
+            <a:effectRef idx="0">
+              <a:schemeClr val="accent1"/>
+            </a:effectRef>
+            <a:fontRef idx="minor">
+              <a:schemeClr val="tx1"/>
+            </a:fontRef>
+          </p:style>
+        </p:cxnSp>
+        <p:cxnSp>
+          <p:nvCxnSpPr>
+            <p:cNvPr id="77" name="Straight Arrow Connector 76"/>
+            <p:cNvCxnSpPr/>
+            <p:nvPr/>
+          </p:nvCxnSpPr>
+          <p:spPr>
+            <a:xfrm flipH="1" flipV="1">
+              <a:off x="1566152" y="3135370"/>
+              <a:ext cx="82209" cy="45025"/>
+            </a:xfrm>
+            <a:prstGeom prst="straightConnector1">
+              <a:avLst/>
+            </a:prstGeom>
+            <a:ln>
+              <a:solidFill>
+                <a:srgbClr val="ED7D31"/>
+              </a:solidFill>
+              <a:tailEnd type="triangle"/>
+            </a:ln>
+          </p:spPr>
+          <p:style>
+            <a:lnRef idx="1">
+              <a:schemeClr val="accent1"/>
+            </a:lnRef>
+            <a:fillRef idx="0">
+              <a:schemeClr val="accent1"/>
+            </a:fillRef>
+            <a:effectRef idx="0">
+              <a:schemeClr val="accent1"/>
+            </a:effectRef>
+            <a:fontRef idx="minor">
+              <a:schemeClr val="tx1"/>
+            </a:fontRef>
+          </p:style>
+        </p:cxnSp>
+        <p:cxnSp>
+          <p:nvCxnSpPr>
+            <p:cNvPr id="78" name="Straight Arrow Connector 77"/>
+            <p:cNvCxnSpPr/>
+            <p:nvPr/>
+          </p:nvCxnSpPr>
+          <p:spPr>
+            <a:xfrm flipH="1">
+              <a:off x="1799057" y="3319890"/>
+              <a:ext cx="52698" cy="82916"/>
+            </a:xfrm>
+            <a:prstGeom prst="straightConnector1">
+              <a:avLst/>
+            </a:prstGeom>
+            <a:ln>
+              <a:solidFill>
+                <a:srgbClr val="ED7D31"/>
+              </a:solidFill>
+              <a:tailEnd type="triangle"/>
+            </a:ln>
+          </p:spPr>
+          <p:style>
+            <a:lnRef idx="1">
+              <a:schemeClr val="accent1"/>
+            </a:lnRef>
+            <a:fillRef idx="0">
+              <a:schemeClr val="accent1"/>
+            </a:fillRef>
+            <a:effectRef idx="0">
+              <a:schemeClr val="accent1"/>
+            </a:effectRef>
+            <a:fontRef idx="minor">
+              <a:schemeClr val="tx1"/>
+            </a:fontRef>
+          </p:style>
+        </p:cxnSp>
+        <p:cxnSp>
+          <p:nvCxnSpPr>
+            <p:cNvPr id="80" name="Straight Arrow Connector 79"/>
+            <p:cNvCxnSpPr/>
+            <p:nvPr/>
+          </p:nvCxnSpPr>
+          <p:spPr>
+            <a:xfrm>
+              <a:off x="1539289" y="3320866"/>
+              <a:ext cx="77360" cy="38467"/>
+            </a:xfrm>
+            <a:prstGeom prst="straightConnector1">
+              <a:avLst/>
+            </a:prstGeom>
+            <a:ln>
+              <a:solidFill>
+                <a:srgbClr val="ED7D31"/>
+              </a:solidFill>
+              <a:tailEnd type="triangle"/>
+            </a:ln>
+          </p:spPr>
+          <p:style>
+            <a:lnRef idx="1">
+              <a:schemeClr val="accent1"/>
+            </a:lnRef>
+            <a:fillRef idx="0">
+              <a:schemeClr val="accent1"/>
+            </a:fillRef>
+            <a:effectRef idx="0">
+              <a:schemeClr val="accent1"/>
+            </a:effectRef>
+            <a:fontRef idx="minor">
+              <a:schemeClr val="tx1"/>
+            </a:fontRef>
+          </p:style>
+        </p:cxnSp>
+        <p:cxnSp>
+          <p:nvCxnSpPr>
+            <p:cNvPr id="81" name="Straight Arrow Connector 80"/>
+            <p:cNvCxnSpPr/>
+            <p:nvPr/>
+          </p:nvCxnSpPr>
+          <p:spPr>
+            <a:xfrm>
+              <a:off x="1308760" y="3114557"/>
+              <a:ext cx="55294" cy="89618"/>
+            </a:xfrm>
+            <a:prstGeom prst="straightConnector1">
+              <a:avLst/>
+            </a:prstGeom>
+            <a:ln>
+              <a:solidFill>
+                <a:srgbClr val="ED7D31"/>
+              </a:solidFill>
+              <a:tailEnd type="triangle"/>
+            </a:ln>
+          </p:spPr>
+          <p:style>
+            <a:lnRef idx="1">
+              <a:schemeClr val="accent1"/>
+            </a:lnRef>
+            <a:fillRef idx="0">
+              <a:schemeClr val="accent1"/>
+            </a:fillRef>
+            <a:effectRef idx="0">
+              <a:schemeClr val="accent1"/>
+            </a:effectRef>
+            <a:fontRef idx="minor">
+              <a:schemeClr val="tx1"/>
+            </a:fontRef>
+          </p:style>
+        </p:cxnSp>
+        <p:cxnSp>
+          <p:nvCxnSpPr>
+            <p:cNvPr id="83" name="Straight Arrow Connector 82"/>
+            <p:cNvCxnSpPr/>
+            <p:nvPr/>
+          </p:nvCxnSpPr>
+          <p:spPr>
+            <a:xfrm flipV="1">
+              <a:off x="1467104" y="3086617"/>
+              <a:ext cx="44663" cy="93778"/>
+            </a:xfrm>
+            <a:prstGeom prst="straightConnector1">
+              <a:avLst/>
+            </a:prstGeom>
+            <a:ln>
+              <a:solidFill>
+                <a:srgbClr val="ED7D31"/>
+              </a:solidFill>
+              <a:tailEnd type="triangle"/>
+            </a:ln>
+          </p:spPr>
+          <p:style>
+            <a:lnRef idx="1">
+              <a:schemeClr val="accent1"/>
+            </a:lnRef>
+            <a:fillRef idx="0">
+              <a:schemeClr val="accent1"/>
+            </a:fillRef>
+            <a:effectRef idx="0">
+              <a:schemeClr val="accent1"/>
+            </a:effectRef>
+            <a:fontRef idx="minor">
+              <a:schemeClr val="tx1"/>
+            </a:fontRef>
+          </p:style>
+        </p:cxnSp>
+        <p:cxnSp>
+          <p:nvCxnSpPr>
+            <p:cNvPr id="84" name="Straight Arrow Connector 83"/>
+            <p:cNvCxnSpPr/>
+            <p:nvPr/>
+          </p:nvCxnSpPr>
+          <p:spPr>
+            <a:xfrm flipV="1">
+              <a:off x="2010044" y="3319890"/>
+              <a:ext cx="116721" cy="16564"/>
+            </a:xfrm>
+            <a:prstGeom prst="straightConnector1">
+              <a:avLst/>
+            </a:prstGeom>
+            <a:ln>
+              <a:solidFill>
+                <a:srgbClr val="ED7D31"/>
+              </a:solidFill>
+              <a:tailEnd type="triangle"/>
+            </a:ln>
+          </p:spPr>
+          <p:style>
+            <a:lnRef idx="1">
+              <a:schemeClr val="accent1"/>
+            </a:lnRef>
+            <a:fillRef idx="0">
+              <a:schemeClr val="accent1"/>
+            </a:fillRef>
+            <a:effectRef idx="0">
+              <a:schemeClr val="accent1"/>
+            </a:effectRef>
+            <a:fontRef idx="minor">
+              <a:schemeClr val="tx1"/>
+            </a:fontRef>
+          </p:style>
+        </p:cxnSp>
+        <p:cxnSp>
+          <p:nvCxnSpPr>
+            <p:cNvPr id="85" name="Straight Arrow Connector 84"/>
+            <p:cNvCxnSpPr/>
+            <p:nvPr/>
+          </p:nvCxnSpPr>
+          <p:spPr>
+            <a:xfrm flipH="1">
+              <a:off x="1992517" y="3157882"/>
+              <a:ext cx="39088" cy="91578"/>
+            </a:xfrm>
+            <a:prstGeom prst="straightConnector1">
+              <a:avLst/>
+            </a:prstGeom>
+            <a:ln>
+              <a:solidFill>
+                <a:srgbClr val="ED7D31"/>
+              </a:solidFill>
+              <a:tailEnd type="triangle"/>
+            </a:ln>
+          </p:spPr>
+          <p:style>
+            <a:lnRef idx="1">
+              <a:schemeClr val="accent1"/>
+            </a:lnRef>
+            <a:fillRef idx="0">
+              <a:schemeClr val="accent1"/>
+            </a:fillRef>
+            <a:effectRef idx="0">
+              <a:schemeClr val="accent1"/>
+            </a:effectRef>
+            <a:fontRef idx="minor">
+              <a:schemeClr val="tx1"/>
+            </a:fontRef>
+          </p:style>
+        </p:cxnSp>
+        <p:cxnSp>
+          <p:nvCxnSpPr>
+            <p:cNvPr id="87" name="Straight Arrow Connector 86"/>
+            <p:cNvCxnSpPr/>
+            <p:nvPr/>
+          </p:nvCxnSpPr>
+          <p:spPr>
+            <a:xfrm flipH="1" flipV="1">
+              <a:off x="1767852" y="3204175"/>
+              <a:ext cx="88129" cy="7395"/>
+            </a:xfrm>
+            <a:prstGeom prst="straightConnector1">
+              <a:avLst/>
+            </a:prstGeom>
+            <a:ln>
+              <a:solidFill>
+                <a:srgbClr val="ED7D31"/>
+              </a:solidFill>
+              <a:tailEnd type="triangle"/>
+            </a:ln>
+          </p:spPr>
+          <p:style>
+            <a:lnRef idx="1">
+              <a:schemeClr val="accent1"/>
+            </a:lnRef>
+            <a:fillRef idx="0">
+              <a:schemeClr val="accent1"/>
+            </a:fillRef>
+            <a:effectRef idx="0">
+              <a:schemeClr val="accent1"/>
+            </a:effectRef>
+            <a:fontRef idx="minor">
+              <a:schemeClr val="tx1"/>
+            </a:fontRef>
+          </p:style>
+        </p:cxnSp>
+        <p:cxnSp>
+          <p:nvCxnSpPr>
+            <p:cNvPr id="53" name="Straight Arrow Connector 52"/>
+            <p:cNvCxnSpPr/>
+            <p:nvPr/>
+          </p:nvCxnSpPr>
+          <p:spPr>
+            <a:xfrm flipV="1">
+              <a:off x="1969068" y="3471871"/>
+              <a:ext cx="28337" cy="97388"/>
+            </a:xfrm>
+            <a:prstGeom prst="straightConnector1">
+              <a:avLst/>
+            </a:prstGeom>
+            <a:ln>
+              <a:solidFill>
+                <a:srgbClr val="ED7D31"/>
+              </a:solidFill>
+              <a:tailEnd type="triangle"/>
+            </a:ln>
+          </p:spPr>
+          <p:style>
+            <a:lnRef idx="1">
+              <a:schemeClr val="accent1"/>
+            </a:lnRef>
+            <a:fillRef idx="0">
+              <a:schemeClr val="accent1"/>
+            </a:fillRef>
+            <a:effectRef idx="0">
+              <a:schemeClr val="accent1"/>
+            </a:effectRef>
+            <a:fontRef idx="minor">
+              <a:schemeClr val="tx1"/>
+            </a:fontRef>
+          </p:style>
+        </p:cxnSp>
+        <p:cxnSp>
+          <p:nvCxnSpPr>
+            <p:cNvPr id="56" name="Straight Arrow Connector 55"/>
+            <p:cNvCxnSpPr/>
+            <p:nvPr/>
+          </p:nvCxnSpPr>
+          <p:spPr>
+            <a:xfrm flipH="1">
+              <a:off x="1632425" y="3415759"/>
+              <a:ext cx="68569" cy="78178"/>
+            </a:xfrm>
+            <a:prstGeom prst="straightConnector1">
+              <a:avLst/>
+            </a:prstGeom>
+            <a:ln>
+              <a:solidFill>
+                <a:srgbClr val="ED7D31"/>
+              </a:solidFill>
+              <a:tailEnd type="triangle"/>
+            </a:ln>
+          </p:spPr>
+          <p:style>
+            <a:lnRef idx="1">
+              <a:schemeClr val="accent1"/>
+            </a:lnRef>
+            <a:fillRef idx="0">
+              <a:schemeClr val="accent1"/>
+            </a:fillRef>
+            <a:effectRef idx="0">
+              <a:schemeClr val="accent1"/>
+            </a:effectRef>
+            <a:fontRef idx="minor">
+              <a:schemeClr val="tx1"/>
+            </a:fontRef>
+          </p:style>
+        </p:cxnSp>
+        <p:cxnSp>
+          <p:nvCxnSpPr>
+            <p:cNvPr id="62" name="Straight Arrow Connector 61"/>
+            <p:cNvCxnSpPr/>
+            <p:nvPr/>
+          </p:nvCxnSpPr>
+          <p:spPr>
+            <a:xfrm>
+              <a:off x="1321965" y="3460379"/>
+              <a:ext cx="69477" cy="94737"/>
+            </a:xfrm>
+            <a:prstGeom prst="straightConnector1">
+              <a:avLst/>
+            </a:prstGeom>
+            <a:ln>
+              <a:solidFill>
+                <a:srgbClr val="ED7D31"/>
+              </a:solidFill>
+              <a:tailEnd type="triangle"/>
+            </a:ln>
+          </p:spPr>
+          <p:style>
+            <a:lnRef idx="1">
+              <a:schemeClr val="accent1"/>
+            </a:lnRef>
+            <a:fillRef idx="0">
+              <a:schemeClr val="accent1"/>
+            </a:fillRef>
+            <a:effectRef idx="0">
+              <a:schemeClr val="accent1"/>
+            </a:effectRef>
+            <a:fontRef idx="minor">
+              <a:schemeClr val="tx1"/>
+            </a:fontRef>
+          </p:style>
+        </p:cxnSp>
+        <p:cxnSp>
+          <p:nvCxnSpPr>
+            <p:cNvPr id="88" name="Straight Arrow Connector 87"/>
+            <p:cNvCxnSpPr/>
+            <p:nvPr/>
+          </p:nvCxnSpPr>
+          <p:spPr>
+            <a:xfrm>
+              <a:off x="2177979" y="3710523"/>
+              <a:ext cx="98496" cy="4227"/>
+            </a:xfrm>
+            <a:prstGeom prst="straightConnector1">
+              <a:avLst/>
+            </a:prstGeom>
+            <a:ln>
+              <a:solidFill>
+                <a:srgbClr val="ED7D31"/>
+              </a:solidFill>
+              <a:tailEnd type="triangle"/>
+            </a:ln>
+          </p:spPr>
+          <p:style>
+            <a:lnRef idx="1">
+              <a:schemeClr val="accent1"/>
+            </a:lnRef>
+            <a:fillRef idx="0">
+              <a:schemeClr val="accent1"/>
+            </a:fillRef>
+            <a:effectRef idx="0">
+              <a:schemeClr val="accent1"/>
+            </a:effectRef>
+            <a:fontRef idx="minor">
+              <a:schemeClr val="tx1"/>
+            </a:fontRef>
+          </p:style>
+        </p:cxnSp>
+        <p:cxnSp>
+          <p:nvCxnSpPr>
+            <p:cNvPr id="91" name="Straight Arrow Connector 90"/>
+            <p:cNvCxnSpPr/>
+            <p:nvPr/>
+          </p:nvCxnSpPr>
+          <p:spPr>
+            <a:xfrm>
+              <a:off x="2344071" y="3714750"/>
+              <a:ext cx="135604" cy="0"/>
+            </a:xfrm>
+            <a:prstGeom prst="straightConnector1">
+              <a:avLst/>
+            </a:prstGeom>
+            <a:ln>
+              <a:solidFill>
+                <a:srgbClr val="ED7D31"/>
+              </a:solidFill>
+              <a:tailEnd type="triangle"/>
+            </a:ln>
+          </p:spPr>
+          <p:style>
+            <a:lnRef idx="1">
+              <a:schemeClr val="accent1"/>
+            </a:lnRef>
+            <a:fillRef idx="0">
+              <a:schemeClr val="accent1"/>
+            </a:fillRef>
+            <a:effectRef idx="0">
+              <a:schemeClr val="accent1"/>
+            </a:effectRef>
+            <a:fontRef idx="minor">
+              <a:schemeClr val="tx1"/>
+            </a:fontRef>
+          </p:style>
+        </p:cxnSp>
+        <p:cxnSp>
+          <p:nvCxnSpPr>
+            <p:cNvPr id="94" name="Straight Arrow Connector 93"/>
+            <p:cNvCxnSpPr/>
+            <p:nvPr/>
+          </p:nvCxnSpPr>
+          <p:spPr>
+            <a:xfrm flipV="1">
+              <a:off x="2180772" y="3990975"/>
+              <a:ext cx="95703" cy="958"/>
+            </a:xfrm>
+            <a:prstGeom prst="straightConnector1">
+              <a:avLst/>
+            </a:prstGeom>
+            <a:ln>
+              <a:solidFill>
+                <a:srgbClr val="ED7D31"/>
+              </a:solidFill>
+              <a:tailEnd type="triangle"/>
+            </a:ln>
+          </p:spPr>
+          <p:style>
+            <a:lnRef idx="1">
+              <a:schemeClr val="accent1"/>
+            </a:lnRef>
+            <a:fillRef idx="0">
+              <a:schemeClr val="accent1"/>
+            </a:fillRef>
+            <a:effectRef idx="0">
+              <a:schemeClr val="accent1"/>
+            </a:effectRef>
+            <a:fontRef idx="minor">
+              <a:schemeClr val="tx1"/>
+            </a:fontRef>
+          </p:style>
+        </p:cxnSp>
+        <p:cxnSp>
+          <p:nvCxnSpPr>
+            <p:cNvPr id="96" name="Straight Arrow Connector 95"/>
+            <p:cNvCxnSpPr/>
+            <p:nvPr/>
+          </p:nvCxnSpPr>
+          <p:spPr>
+            <a:xfrm flipV="1">
+              <a:off x="2336228" y="3990975"/>
+              <a:ext cx="146622" cy="958"/>
+            </a:xfrm>
+            <a:prstGeom prst="straightConnector1">
+              <a:avLst/>
+            </a:prstGeom>
+            <a:ln>
+              <a:solidFill>
+                <a:srgbClr val="ED7D31"/>
+              </a:solidFill>
+              <a:tailEnd type="triangle"/>
+            </a:ln>
+          </p:spPr>
+          <p:style>
+            <a:lnRef idx="1">
+              <a:schemeClr val="accent1"/>
+            </a:lnRef>
+            <a:fillRef idx="0">
+              <a:schemeClr val="accent1"/>
+            </a:fillRef>
+            <a:effectRef idx="0">
+              <a:schemeClr val="accent1"/>
+            </a:effectRef>
+            <a:fontRef idx="minor">
+              <a:schemeClr val="tx1"/>
+            </a:fontRef>
+          </p:style>
+        </p:cxnSp>
+        <p:cxnSp>
+          <p:nvCxnSpPr>
+            <p:cNvPr id="9" name="Gerade Verbindung 8"/>
+            <p:cNvCxnSpPr/>
+            <p:nvPr/>
+          </p:nvCxnSpPr>
+          <p:spPr>
+            <a:xfrm flipV="1">
+              <a:off x="6218183" y="1892300"/>
+              <a:ext cx="4817" cy="1420488"/>
+            </a:xfrm>
+            <a:prstGeom prst="line">
+              <a:avLst/>
+            </a:prstGeom>
+          </p:spPr>
+          <p:style>
+            <a:lnRef idx="2">
+              <a:schemeClr val="accent1"/>
+            </a:lnRef>
+            <a:fillRef idx="0">
+              <a:schemeClr val="accent1"/>
+            </a:fillRef>
+            <a:effectRef idx="1">
+              <a:schemeClr val="accent1"/>
+            </a:effectRef>
+            <a:fontRef idx="minor">
+              <a:schemeClr val="tx1"/>
+            </a:fontRef>
+          </p:style>
+        </p:cxnSp>
+        <p:cxnSp>
+          <p:nvCxnSpPr>
+            <p:cNvPr id="16" name="Gerade Verbindung 15"/>
+            <p:cNvCxnSpPr/>
+            <p:nvPr/>
+          </p:nvCxnSpPr>
+          <p:spPr>
+            <a:xfrm flipH="1">
+              <a:off x="6172200" y="4353952"/>
+              <a:ext cx="27193" cy="1424548"/>
+            </a:xfrm>
+            <a:prstGeom prst="line">
+              <a:avLst/>
+            </a:prstGeom>
+          </p:spPr>
+          <p:style>
+            <a:lnRef idx="2">
+              <a:schemeClr val="accent1"/>
+            </a:lnRef>
+            <a:fillRef idx="0">
+              <a:schemeClr val="accent1"/>
+            </a:fillRef>
+            <a:effectRef idx="1">
+              <a:schemeClr val="accent1"/>
+            </a:effectRef>
+            <a:fontRef idx="minor">
+              <a:schemeClr val="tx1"/>
+            </a:fontRef>
+          </p:style>
+        </p:cxnSp>
+        <p:cxnSp>
+          <p:nvCxnSpPr>
+            <p:cNvPr id="20" name="Gerade Verbindung 19"/>
+            <p:cNvCxnSpPr/>
+            <p:nvPr/>
+          </p:nvCxnSpPr>
+          <p:spPr>
+            <a:xfrm flipH="1">
+              <a:off x="5491480" y="3307939"/>
+              <a:ext cx="722893" cy="349661"/>
+            </a:xfrm>
+            <a:prstGeom prst="line">
+              <a:avLst/>
+            </a:prstGeom>
+          </p:spPr>
+          <p:style>
+            <a:lnRef idx="2">
+              <a:schemeClr val="accent1"/>
+            </a:lnRef>
+            <a:fillRef idx="0">
+              <a:schemeClr val="accent1"/>
+            </a:fillRef>
+            <a:effectRef idx="1">
+              <a:schemeClr val="accent1"/>
+            </a:effectRef>
+            <a:fontRef idx="minor">
+              <a:schemeClr val="tx1"/>
+            </a:fontRef>
+          </p:style>
+        </p:cxnSp>
+        <p:cxnSp>
+          <p:nvCxnSpPr>
+            <p:cNvPr id="26" name="Gerade Verbindung 25"/>
+            <p:cNvCxnSpPr/>
+            <p:nvPr/>
+          </p:nvCxnSpPr>
+          <p:spPr>
+            <a:xfrm flipH="1" flipV="1">
+              <a:off x="5486400" y="4023360"/>
+              <a:ext cx="711201" cy="335281"/>
+            </a:xfrm>
+            <a:prstGeom prst="line">
+              <a:avLst/>
+            </a:prstGeom>
+          </p:spPr>
+          <p:style>
+            <a:lnRef idx="2">
+              <a:schemeClr val="accent1"/>
+            </a:lnRef>
+            <a:fillRef idx="0">
+              <a:schemeClr val="accent1"/>
+            </a:fillRef>
+            <a:effectRef idx="1">
+              <a:schemeClr val="accent1"/>
+            </a:effectRef>
+            <a:fontRef idx="minor">
+              <a:schemeClr val="tx1"/>
+            </a:fontRef>
+          </p:style>
+        </p:cxnSp>
+        <p:cxnSp>
+          <p:nvCxnSpPr>
+            <p:cNvPr id="41" name="Gerade Verbindung mit Pfeil 40"/>
+            <p:cNvCxnSpPr/>
+            <p:nvPr/>
+          </p:nvCxnSpPr>
+          <p:spPr>
+            <a:xfrm>
+              <a:off x="2539913" y="3843655"/>
+              <a:ext cx="8181860" cy="17145"/>
+            </a:xfrm>
+            <a:prstGeom prst="straightConnector1">
+              <a:avLst/>
+            </a:prstGeom>
+            <a:ln w="28575" cmpd="sng">
+              <a:solidFill>
+                <a:schemeClr val="accent2"/>
+              </a:solidFill>
+              <a:prstDash val="dash"/>
+              <a:tailEnd type="arrow"/>
+            </a:ln>
+          </p:spPr>
+          <p:style>
+            <a:lnRef idx="2">
+              <a:schemeClr val="accent1"/>
+            </a:lnRef>
+            <a:fillRef idx="0">
+              <a:schemeClr val="accent1"/>
+            </a:fillRef>
+            <a:effectRef idx="1">
+              <a:schemeClr val="accent1"/>
+            </a:effectRef>
+            <a:fontRef idx="minor">
+              <a:schemeClr val="tx1"/>
+            </a:fontRef>
+          </p:style>
+        </p:cxnSp>
+        <p:sp>
+          <p:nvSpPr>
+            <p:cNvPr id="58" name="Textfeld 57"/>
+            <p:cNvSpPr txBox="1"/>
+            <p:nvPr/>
+          </p:nvSpPr>
+          <p:spPr>
+            <a:xfrm>
+              <a:off x="3822700" y="2425700"/>
+              <a:ext cx="330929" cy="369332"/>
+            </a:xfrm>
+            <a:prstGeom prst="rect">
+              <a:avLst/>
+            </a:prstGeom>
+            <a:noFill/>
+          </p:spPr>
+          <p:txBody>
+            <a:bodyPr wrap="square" rtlCol="0">
+              <a:spAutoFit/>
+            </a:bodyPr>
+            <a:lstStyle/>
+            <a:p>
+              <a:r>
+                <a:rPr lang="en-US" b="1" dirty="0" smtClean="0">
+                  <a:solidFill>
+                    <a:srgbClr val="008000"/>
+                  </a:solidFill>
+                </a:rPr>
+                <a:t>A</a:t>
+              </a:r>
+              <a:endParaRPr lang="en-US" b="1" dirty="0">
                 <a:solidFill>
                   <a:srgbClr val="008000"/>
                 </a:solidFill>
-              </a:rPr>
-              <a:t>A</a:t>
-            </a:r>
-            <a:endParaRPr lang="en-US" b="1" dirty="0">
+              </a:endParaRPr>
+            </a:p>
+          </p:txBody>
+        </p:sp>
+        <p:sp>
+          <p:nvSpPr>
+            <p:cNvPr id="64" name="Textfeld 63"/>
+            <p:cNvSpPr txBox="1"/>
+            <p:nvPr/>
+          </p:nvSpPr>
+          <p:spPr>
+            <a:xfrm>
+              <a:off x="7785100" y="2527300"/>
+              <a:ext cx="312906" cy="369332"/>
+            </a:xfrm>
+            <a:prstGeom prst="rect">
+              <a:avLst/>
+            </a:prstGeom>
+            <a:noFill/>
+          </p:spPr>
+          <p:txBody>
+            <a:bodyPr wrap="none" rtlCol="0">
+              <a:spAutoFit/>
+            </a:bodyPr>
+            <a:lstStyle/>
+            <a:p>
+              <a:r>
+                <a:rPr lang="en-US" b="1" dirty="0" smtClean="0">
+                  <a:solidFill>
+                    <a:srgbClr val="008000"/>
+                  </a:solidFill>
+                </a:rPr>
+                <a:t>B</a:t>
+              </a:r>
+              <a:endParaRPr lang="en-US" b="1" dirty="0">
+                <a:solidFill>
+                  <a:srgbClr val="008000"/>
+                </a:solidFill>
+              </a:endParaRPr>
+            </a:p>
+          </p:txBody>
+        </p:sp>
+        <p:cxnSp>
+          <p:nvCxnSpPr>
+            <p:cNvPr id="70" name="Gerade Verbindung mit Pfeil 69"/>
+            <p:cNvCxnSpPr/>
+            <p:nvPr/>
+          </p:nvCxnSpPr>
+          <p:spPr>
+            <a:xfrm flipH="1">
+              <a:off x="2374900" y="2705100"/>
+              <a:ext cx="1435100" cy="1168400"/>
+            </a:xfrm>
+            <a:prstGeom prst="straightConnector1">
+              <a:avLst/>
+            </a:prstGeom>
+            <a:ln w="19050" cmpd="sng">
               <a:solidFill>
                 <a:srgbClr val="008000"/>
               </a:solidFill>
-            </a:endParaRPr>
-          </a:p>
-        </p:txBody>
-      </p:sp>
-      <p:sp>
-        <p:nvSpPr>
-          <p:cNvPr id="64" name="Textfeld 63"/>
-          <p:cNvSpPr txBox="1"/>
-          <p:nvPr/>
-        </p:nvSpPr>
-        <p:spPr>
-          <a:xfrm>
-            <a:off x="7785100" y="2527300"/>
-            <a:ext cx="312906" cy="369332"/>
-          </a:xfrm>
-          <a:prstGeom prst="rect">
-            <a:avLst/>
-          </a:prstGeom>
-          <a:noFill/>
-        </p:spPr>
-        <p:txBody>
-          <a:bodyPr wrap="none" rtlCol="0">
-            <a:spAutoFit/>
-          </a:bodyPr>
-          <a:lstStyle/>
-          <a:p>
-            <a:r>
-              <a:rPr lang="en-US" b="1" dirty="0" smtClean="0">
-                <a:solidFill>
-                  <a:srgbClr val="008000"/>
-                </a:solidFill>
-              </a:rPr>
-              <a:t>B</a:t>
-            </a:r>
-            <a:endParaRPr lang="en-US" b="1" dirty="0">
+              <a:tailEnd type="arrow"/>
+            </a:ln>
+          </p:spPr>
+          <p:style>
+            <a:lnRef idx="2">
+              <a:schemeClr val="accent1"/>
+            </a:lnRef>
+            <a:fillRef idx="0">
+              <a:schemeClr val="accent1"/>
+            </a:fillRef>
+            <a:effectRef idx="1">
+              <a:schemeClr val="accent1"/>
+            </a:effectRef>
+            <a:fontRef idx="minor">
+              <a:schemeClr val="tx1"/>
+            </a:fontRef>
+          </p:style>
+        </p:cxnSp>
+        <p:cxnSp>
+          <p:nvCxnSpPr>
+            <p:cNvPr id="73" name="Gerade Verbindung mit Pfeil 72"/>
+            <p:cNvCxnSpPr/>
+            <p:nvPr/>
+          </p:nvCxnSpPr>
+          <p:spPr>
+            <a:xfrm flipH="1">
+              <a:off x="7175500" y="2844800"/>
+              <a:ext cx="673100" cy="1016000"/>
+            </a:xfrm>
+            <a:prstGeom prst="straightConnector1">
+              <a:avLst/>
+            </a:prstGeom>
+            <a:ln w="19050" cmpd="sng">
               <a:solidFill>
                 <a:srgbClr val="008000"/>
               </a:solidFill>
-            </a:endParaRPr>
-          </a:p>
-        </p:txBody>
-      </p:sp>
-      <p:cxnSp>
-        <p:nvCxnSpPr>
-          <p:cNvPr id="70" name="Gerade Verbindung mit Pfeil 69"/>
-          <p:cNvCxnSpPr/>
-          <p:nvPr/>
-        </p:nvCxnSpPr>
-        <p:spPr>
-          <a:xfrm flipH="1">
-            <a:off x="2374900" y="2705100"/>
-            <a:ext cx="1435100" cy="1168400"/>
-          </a:xfrm>
-          <a:prstGeom prst="straightConnector1">
-            <a:avLst/>
-          </a:prstGeom>
-          <a:ln w="19050" cmpd="sng">
-            <a:solidFill>
-              <a:srgbClr val="008000"/>
-            </a:solidFill>
-            <a:tailEnd type="arrow"/>
-          </a:ln>
-        </p:spPr>
-        <p:style>
-          <a:lnRef idx="2">
-            <a:schemeClr val="accent1"/>
-          </a:lnRef>
-          <a:fillRef idx="0">
-            <a:schemeClr val="accent1"/>
-          </a:fillRef>
-          <a:effectRef idx="1">
-            <a:schemeClr val="accent1"/>
-          </a:effectRef>
-          <a:fontRef idx="minor">
-            <a:schemeClr val="tx1"/>
-          </a:fontRef>
-        </p:style>
-      </p:cxnSp>
-      <p:cxnSp>
-        <p:nvCxnSpPr>
-          <p:cNvPr id="73" name="Gerade Verbindung mit Pfeil 72"/>
-          <p:cNvCxnSpPr/>
-          <p:nvPr/>
-        </p:nvCxnSpPr>
-        <p:spPr>
-          <a:xfrm flipH="1">
-            <a:off x="7175500" y="2844800"/>
-            <a:ext cx="673100" cy="1016000"/>
-          </a:xfrm>
-          <a:prstGeom prst="straightConnector1">
-            <a:avLst/>
-          </a:prstGeom>
-          <a:ln w="19050" cmpd="sng">
-            <a:solidFill>
-              <a:srgbClr val="008000"/>
-            </a:solidFill>
-            <a:tailEnd type="arrow"/>
-          </a:ln>
-        </p:spPr>
-        <p:style>
-          <a:lnRef idx="2">
-            <a:schemeClr val="accent1"/>
-          </a:lnRef>
-          <a:fillRef idx="0">
-            <a:schemeClr val="accent1"/>
-          </a:fillRef>
-          <a:effectRef idx="1">
-            <a:schemeClr val="accent1"/>
-          </a:effectRef>
-          <a:fontRef idx="minor">
-            <a:schemeClr val="tx1"/>
-          </a:fontRef>
-        </p:style>
-      </p:cxnSp>
-      <p:cxnSp>
-        <p:nvCxnSpPr>
-          <p:cNvPr id="97" name="Gerade Verbindung 96"/>
-          <p:cNvCxnSpPr/>
-          <p:nvPr/>
-        </p:nvCxnSpPr>
-        <p:spPr>
-          <a:xfrm flipV="1">
-            <a:off x="9253483" y="1905000"/>
-            <a:ext cx="4817" cy="1420488"/>
-          </a:xfrm>
-          <a:prstGeom prst="line">
-            <a:avLst/>
-          </a:prstGeom>
-        </p:spPr>
-        <p:style>
-          <a:lnRef idx="2">
-            <a:schemeClr val="accent1"/>
-          </a:lnRef>
-          <a:fillRef idx="0">
-            <a:schemeClr val="accent1"/>
-          </a:fillRef>
-          <a:effectRef idx="1">
-            <a:schemeClr val="accent1"/>
-          </a:effectRef>
-          <a:fontRef idx="minor">
-            <a:schemeClr val="tx1"/>
-          </a:fontRef>
-        </p:style>
-      </p:cxnSp>
-      <p:cxnSp>
-        <p:nvCxnSpPr>
-          <p:cNvPr id="98" name="Gerade Verbindung 97"/>
-          <p:cNvCxnSpPr/>
-          <p:nvPr/>
-        </p:nvCxnSpPr>
-        <p:spPr>
-          <a:xfrm flipH="1">
-            <a:off x="9207500" y="4366652"/>
-            <a:ext cx="27193" cy="1424548"/>
-          </a:xfrm>
-          <a:prstGeom prst="line">
-            <a:avLst/>
-          </a:prstGeom>
-        </p:spPr>
-        <p:style>
-          <a:lnRef idx="2">
-            <a:schemeClr val="accent1"/>
-          </a:lnRef>
-          <a:fillRef idx="0">
-            <a:schemeClr val="accent1"/>
-          </a:fillRef>
-          <a:effectRef idx="1">
-            <a:schemeClr val="accent1"/>
-          </a:effectRef>
-          <a:fontRef idx="minor">
-            <a:schemeClr val="tx1"/>
-          </a:fontRef>
-        </p:style>
-      </p:cxnSp>
-      <p:cxnSp>
-        <p:nvCxnSpPr>
-          <p:cNvPr id="99" name="Gerade Verbindung 98"/>
-          <p:cNvCxnSpPr/>
-          <p:nvPr/>
-        </p:nvCxnSpPr>
-        <p:spPr>
-          <a:xfrm flipH="1">
-            <a:off x="8526780" y="3320639"/>
-            <a:ext cx="722893" cy="349661"/>
-          </a:xfrm>
-          <a:prstGeom prst="line">
-            <a:avLst/>
-          </a:prstGeom>
-        </p:spPr>
-        <p:style>
-          <a:lnRef idx="2">
-            <a:schemeClr val="accent1"/>
-          </a:lnRef>
-          <a:fillRef idx="0">
-            <a:schemeClr val="accent1"/>
-          </a:fillRef>
-          <a:effectRef idx="1">
-            <a:schemeClr val="accent1"/>
-          </a:effectRef>
-          <a:fontRef idx="minor">
-            <a:schemeClr val="tx1"/>
-          </a:fontRef>
-        </p:style>
-      </p:cxnSp>
-      <p:cxnSp>
-        <p:nvCxnSpPr>
-          <p:cNvPr id="100" name="Gerade Verbindung 99"/>
-          <p:cNvCxnSpPr/>
-          <p:nvPr/>
-        </p:nvCxnSpPr>
-        <p:spPr>
-          <a:xfrm flipH="1" flipV="1">
-            <a:off x="8521700" y="4036060"/>
-            <a:ext cx="711201" cy="335281"/>
-          </a:xfrm>
-          <a:prstGeom prst="line">
-            <a:avLst/>
-          </a:prstGeom>
-        </p:spPr>
-        <p:style>
-          <a:lnRef idx="2">
-            <a:schemeClr val="accent1"/>
-          </a:lnRef>
-          <a:fillRef idx="0">
-            <a:schemeClr val="accent1"/>
-          </a:fillRef>
-          <a:effectRef idx="1">
-            <a:schemeClr val="accent1"/>
-          </a:effectRef>
-          <a:fontRef idx="minor">
-            <a:schemeClr val="tx1"/>
-          </a:fontRef>
-        </p:style>
-      </p:cxnSp>
-      <p:sp>
-        <p:nvSpPr>
-          <p:cNvPr id="89" name="Textfeld 88"/>
-          <p:cNvSpPr txBox="1"/>
-          <p:nvPr/>
-        </p:nvSpPr>
-        <p:spPr>
-          <a:xfrm>
-            <a:off x="3771900" y="3213100"/>
-            <a:ext cx="723425" cy="369332"/>
-          </a:xfrm>
-          <a:prstGeom prst="rect">
-            <a:avLst/>
-          </a:prstGeom>
-          <a:noFill/>
-        </p:spPr>
-        <p:txBody>
-          <a:bodyPr wrap="none" rtlCol="0">
-            <a:spAutoFit/>
-          </a:bodyPr>
-          <a:lstStyle/>
-          <a:p>
-            <a:r>
-              <a:rPr lang="en-US" dirty="0" err="1" smtClean="0"/>
-              <a:t>p</a:t>
-            </a:r>
-            <a:r>
-              <a:rPr lang="en-US" baseline="-25000" dirty="0" err="1" smtClean="0"/>
-              <a:t>source</a:t>
-            </a:r>
-            <a:endParaRPr lang="en-US" baseline="-25000" dirty="0"/>
-          </a:p>
-        </p:txBody>
-      </p:sp>
-      <p:sp>
-        <p:nvSpPr>
-          <p:cNvPr id="92" name="Textfeld 91"/>
-          <p:cNvSpPr txBox="1"/>
-          <p:nvPr/>
-        </p:nvSpPr>
-        <p:spPr>
-          <a:xfrm>
-            <a:off x="7607300" y="3289300"/>
-            <a:ext cx="851515" cy="369332"/>
-          </a:xfrm>
-          <a:prstGeom prst="rect">
-            <a:avLst/>
-          </a:prstGeom>
-          <a:noFill/>
-        </p:spPr>
-        <p:txBody>
-          <a:bodyPr wrap="none" rtlCol="0">
-            <a:spAutoFit/>
-          </a:bodyPr>
-          <a:lstStyle/>
-          <a:p>
-            <a:r>
-              <a:rPr lang="en-US" dirty="0" err="1" smtClean="0"/>
-              <a:t>p</a:t>
-            </a:r>
-            <a:r>
-              <a:rPr lang="en-US" baseline="-25000" dirty="0" err="1" smtClean="0"/>
-              <a:t>skimmer</a:t>
-            </a:r>
-            <a:endParaRPr lang="en-US" baseline="-25000" dirty="0"/>
-          </a:p>
-        </p:txBody>
-      </p:sp>
-      <p:sp>
-        <p:nvSpPr>
-          <p:cNvPr id="95" name="Textfeld 94"/>
-          <p:cNvSpPr txBox="1"/>
-          <p:nvPr/>
-        </p:nvSpPr>
-        <p:spPr>
-          <a:xfrm>
-            <a:off x="5054600" y="1905000"/>
-            <a:ext cx="1181934" cy="369332"/>
-          </a:xfrm>
-          <a:prstGeom prst="rect">
-            <a:avLst/>
-          </a:prstGeom>
-          <a:noFill/>
-        </p:spPr>
-        <p:txBody>
-          <a:bodyPr wrap="none" rtlCol="0">
-            <a:spAutoFit/>
-          </a:bodyPr>
-          <a:lstStyle/>
-          <a:p>
-            <a:r>
-              <a:rPr lang="en-US" dirty="0" smtClean="0"/>
-              <a:t>Skimmer 1</a:t>
-            </a:r>
-            <a:endParaRPr lang="en-US" dirty="0"/>
-          </a:p>
-        </p:txBody>
-      </p:sp>
-      <p:sp>
-        <p:nvSpPr>
-          <p:cNvPr id="101" name="Textfeld 100"/>
-          <p:cNvSpPr txBox="1"/>
-          <p:nvPr/>
-        </p:nvSpPr>
-        <p:spPr>
-          <a:xfrm>
-            <a:off x="8064500" y="1930400"/>
-            <a:ext cx="1181934" cy="369332"/>
-          </a:xfrm>
-          <a:prstGeom prst="rect">
-            <a:avLst/>
-          </a:prstGeom>
-          <a:noFill/>
-        </p:spPr>
-        <p:txBody>
-          <a:bodyPr wrap="none" rtlCol="0">
-            <a:spAutoFit/>
-          </a:bodyPr>
-          <a:lstStyle/>
-          <a:p>
-            <a:r>
-              <a:rPr lang="en-US" dirty="0" smtClean="0"/>
-              <a:t>Skimmer 2</a:t>
-            </a:r>
-            <a:endParaRPr lang="en-US" dirty="0"/>
-          </a:p>
-        </p:txBody>
-      </p:sp>
-      <p:sp>
-        <p:nvSpPr>
-          <p:cNvPr id="102" name="Pfeil nach unten 101"/>
-          <p:cNvSpPr/>
-          <p:nvPr/>
-        </p:nvSpPr>
-        <p:spPr>
-          <a:xfrm>
-            <a:off x="3810000" y="4724400"/>
-            <a:ext cx="482600" cy="596900"/>
-          </a:xfrm>
-          <a:prstGeom prst="downArrow">
-            <a:avLst/>
-          </a:prstGeom>
-        </p:spPr>
-        <p:style>
-          <a:lnRef idx="1">
-            <a:schemeClr val="accent1"/>
-          </a:lnRef>
-          <a:fillRef idx="3">
-            <a:schemeClr val="accent1"/>
-          </a:fillRef>
-          <a:effectRef idx="2">
-            <a:schemeClr val="accent1"/>
-          </a:effectRef>
-          <a:fontRef idx="minor">
-            <a:schemeClr val="lt1"/>
-          </a:fontRef>
-        </p:style>
-        <p:txBody>
-          <a:bodyPr rtlCol="0" anchor="ctr"/>
-          <a:lstStyle/>
-          <a:p>
-            <a:pPr algn="ctr"/>
-            <a:endParaRPr lang="en-US"/>
-          </a:p>
-        </p:txBody>
-      </p:sp>
-      <p:sp>
-        <p:nvSpPr>
-          <p:cNvPr id="103" name="Textfeld 102"/>
-          <p:cNvSpPr txBox="1"/>
-          <p:nvPr/>
-        </p:nvSpPr>
-        <p:spPr>
-          <a:xfrm>
-            <a:off x="3492500" y="5410200"/>
-            <a:ext cx="1019292" cy="369332"/>
-          </a:xfrm>
-          <a:prstGeom prst="rect">
-            <a:avLst/>
-          </a:prstGeom>
-          <a:noFill/>
-        </p:spPr>
-        <p:txBody>
-          <a:bodyPr wrap="none" rtlCol="0">
-            <a:spAutoFit/>
-          </a:bodyPr>
-          <a:lstStyle/>
-          <a:p>
-            <a:r>
-              <a:rPr lang="en-US" dirty="0" smtClean="0"/>
-              <a:t>To pump</a:t>
-            </a:r>
-            <a:endParaRPr lang="en-US" dirty="0"/>
-          </a:p>
-        </p:txBody>
-      </p:sp>
-      <p:sp>
-        <p:nvSpPr>
-          <p:cNvPr id="106" name="Pfeil nach unten 105"/>
-          <p:cNvSpPr/>
-          <p:nvPr/>
-        </p:nvSpPr>
-        <p:spPr>
-          <a:xfrm>
-            <a:off x="7493000" y="4724400"/>
-            <a:ext cx="482600" cy="596900"/>
-          </a:xfrm>
-          <a:prstGeom prst="downArrow">
-            <a:avLst/>
-          </a:prstGeom>
-        </p:spPr>
-        <p:style>
-          <a:lnRef idx="1">
-            <a:schemeClr val="accent1"/>
-          </a:lnRef>
-          <a:fillRef idx="3">
-            <a:schemeClr val="accent1"/>
-          </a:fillRef>
-          <a:effectRef idx="2">
-            <a:schemeClr val="accent1"/>
-          </a:effectRef>
-          <a:fontRef idx="minor">
-            <a:schemeClr val="lt1"/>
-          </a:fontRef>
-        </p:style>
-        <p:txBody>
-          <a:bodyPr rtlCol="0" anchor="ctr"/>
-          <a:lstStyle/>
-          <a:p>
-            <a:pPr algn="ctr"/>
-            <a:endParaRPr lang="en-US"/>
-          </a:p>
-        </p:txBody>
-      </p:sp>
-      <p:sp>
-        <p:nvSpPr>
-          <p:cNvPr id="107" name="Textfeld 106"/>
-          <p:cNvSpPr txBox="1"/>
-          <p:nvPr/>
-        </p:nvSpPr>
-        <p:spPr>
-          <a:xfrm>
-            <a:off x="7175500" y="5410200"/>
-            <a:ext cx="1019292" cy="369332"/>
-          </a:xfrm>
-          <a:prstGeom prst="rect">
-            <a:avLst/>
-          </a:prstGeom>
-          <a:noFill/>
-        </p:spPr>
-        <p:txBody>
-          <a:bodyPr wrap="none" rtlCol="0">
-            <a:spAutoFit/>
-          </a:bodyPr>
-          <a:lstStyle/>
-          <a:p>
-            <a:r>
-              <a:rPr lang="en-US" dirty="0" smtClean="0"/>
-              <a:t>To pump</a:t>
-            </a:r>
-            <a:endParaRPr lang="en-US" dirty="0"/>
-          </a:p>
-        </p:txBody>
-      </p:sp>
-      <p:cxnSp>
-        <p:nvCxnSpPr>
-          <p:cNvPr id="3" name="Straight Connector 2"/>
-          <p:cNvCxnSpPr/>
-          <p:nvPr/>
-        </p:nvCxnSpPr>
-        <p:spPr>
-          <a:xfrm flipH="1">
-            <a:off x="10835014" y="1892300"/>
-            <a:ext cx="25052" cy="3898900"/>
-          </a:xfrm>
-          <a:prstGeom prst="line">
-            <a:avLst/>
-          </a:prstGeom>
-        </p:spPr>
-        <p:style>
-          <a:lnRef idx="1">
-            <a:schemeClr val="accent1"/>
-          </a:lnRef>
-          <a:fillRef idx="0">
-            <a:schemeClr val="accent1"/>
-          </a:fillRef>
-          <a:effectRef idx="0">
-            <a:schemeClr val="accent1"/>
-          </a:effectRef>
-          <a:fontRef idx="minor">
-            <a:schemeClr val="tx1"/>
-          </a:fontRef>
-        </p:style>
-      </p:cxnSp>
-      <p:sp>
-        <p:nvSpPr>
-          <p:cNvPr id="8" name="TextBox 7"/>
-          <p:cNvSpPr txBox="1"/>
-          <p:nvPr/>
-        </p:nvSpPr>
-        <p:spPr>
-          <a:xfrm>
-            <a:off x="9757392" y="1930400"/>
-            <a:ext cx="1102674" cy="369332"/>
-          </a:xfrm>
-          <a:prstGeom prst="rect">
-            <a:avLst/>
-          </a:prstGeom>
-          <a:noFill/>
-        </p:spPr>
-        <p:txBody>
-          <a:bodyPr wrap="none" rtlCol="0">
-            <a:spAutoFit/>
-          </a:bodyPr>
-          <a:lstStyle/>
-          <a:p>
-            <a:r>
-              <a:rPr lang="en-US" dirty="0" smtClean="0"/>
-              <a:t>Detection</a:t>
-            </a:r>
-            <a:endParaRPr lang="en-US" dirty="0"/>
-          </a:p>
-        </p:txBody>
-      </p:sp>
-      <p:sp>
-        <p:nvSpPr>
-          <p:cNvPr id="10" name="TextBox 9"/>
-          <p:cNvSpPr txBox="1"/>
-          <p:nvPr/>
-        </p:nvSpPr>
-        <p:spPr>
-          <a:xfrm>
-            <a:off x="9995484" y="3323081"/>
-            <a:ext cx="726289" cy="369332"/>
-          </a:xfrm>
-          <a:prstGeom prst="rect">
-            <a:avLst/>
-          </a:prstGeom>
-          <a:noFill/>
-        </p:spPr>
-        <p:txBody>
-          <a:bodyPr wrap="none" rtlCol="0">
-            <a:spAutoFit/>
-          </a:bodyPr>
-          <a:lstStyle/>
-          <a:p>
-            <a:r>
-              <a:rPr lang="en-US" dirty="0" err="1" smtClean="0"/>
-              <a:t>p</a:t>
-            </a:r>
-            <a:r>
-              <a:rPr lang="en-US" baseline="-25000" dirty="0" err="1" smtClean="0"/>
-              <a:t>cluster</a:t>
-            </a:r>
-            <a:endParaRPr lang="en-US" baseline="-25000" dirty="0"/>
-          </a:p>
-        </p:txBody>
-      </p:sp>
-      <p:sp>
-        <p:nvSpPr>
-          <p:cNvPr id="59" name="Pfeil nach unten 105"/>
-          <p:cNvSpPr/>
-          <p:nvPr/>
-        </p:nvSpPr>
-        <p:spPr>
-          <a:xfrm>
-            <a:off x="9844342" y="4724400"/>
-            <a:ext cx="482600" cy="596900"/>
-          </a:xfrm>
-          <a:prstGeom prst="downArrow">
-            <a:avLst/>
-          </a:prstGeom>
-        </p:spPr>
-        <p:style>
-          <a:lnRef idx="1">
-            <a:schemeClr val="accent1"/>
-          </a:lnRef>
-          <a:fillRef idx="3">
-            <a:schemeClr val="accent1"/>
-          </a:fillRef>
-          <a:effectRef idx="2">
-            <a:schemeClr val="accent1"/>
-          </a:effectRef>
-          <a:fontRef idx="minor">
-            <a:schemeClr val="lt1"/>
-          </a:fontRef>
-        </p:style>
-        <p:txBody>
-          <a:bodyPr rtlCol="0" anchor="ctr"/>
-          <a:lstStyle/>
-          <a:p>
-            <a:pPr algn="ctr"/>
-            <a:endParaRPr lang="en-US"/>
-          </a:p>
-        </p:txBody>
-      </p:sp>
-      <p:sp>
-        <p:nvSpPr>
-          <p:cNvPr id="60" name="Textfeld 106"/>
-          <p:cNvSpPr txBox="1"/>
-          <p:nvPr/>
-        </p:nvSpPr>
-        <p:spPr>
-          <a:xfrm>
-            <a:off x="9526842" y="5410200"/>
-            <a:ext cx="1019292" cy="369332"/>
-          </a:xfrm>
-          <a:prstGeom prst="rect">
-            <a:avLst/>
-          </a:prstGeom>
-          <a:noFill/>
-        </p:spPr>
-        <p:txBody>
-          <a:bodyPr wrap="none" rtlCol="0">
-            <a:spAutoFit/>
-          </a:bodyPr>
-          <a:lstStyle/>
-          <a:p>
-            <a:r>
-              <a:rPr lang="en-US" dirty="0" smtClean="0"/>
-              <a:t>To pump</a:t>
-            </a:r>
-            <a:endParaRPr lang="en-US" dirty="0"/>
-          </a:p>
-        </p:txBody>
-      </p:sp>
+              <a:tailEnd type="arrow"/>
+            </a:ln>
+          </p:spPr>
+          <p:style>
+            <a:lnRef idx="2">
+              <a:schemeClr val="accent1"/>
+            </a:lnRef>
+            <a:fillRef idx="0">
+              <a:schemeClr val="accent1"/>
+            </a:fillRef>
+            <a:effectRef idx="1">
+              <a:schemeClr val="accent1"/>
+            </a:effectRef>
+            <a:fontRef idx="minor">
+              <a:schemeClr val="tx1"/>
+            </a:fontRef>
+          </p:style>
+        </p:cxnSp>
+        <p:cxnSp>
+          <p:nvCxnSpPr>
+            <p:cNvPr id="97" name="Gerade Verbindung 96"/>
+            <p:cNvCxnSpPr/>
+            <p:nvPr/>
+          </p:nvCxnSpPr>
+          <p:spPr>
+            <a:xfrm flipV="1">
+              <a:off x="9253483" y="1905000"/>
+              <a:ext cx="4817" cy="1420488"/>
+            </a:xfrm>
+            <a:prstGeom prst="line">
+              <a:avLst/>
+            </a:prstGeom>
+          </p:spPr>
+          <p:style>
+            <a:lnRef idx="2">
+              <a:schemeClr val="accent1"/>
+            </a:lnRef>
+            <a:fillRef idx="0">
+              <a:schemeClr val="accent1"/>
+            </a:fillRef>
+            <a:effectRef idx="1">
+              <a:schemeClr val="accent1"/>
+            </a:effectRef>
+            <a:fontRef idx="minor">
+              <a:schemeClr val="tx1"/>
+            </a:fontRef>
+          </p:style>
+        </p:cxnSp>
+        <p:cxnSp>
+          <p:nvCxnSpPr>
+            <p:cNvPr id="98" name="Gerade Verbindung 97"/>
+            <p:cNvCxnSpPr/>
+            <p:nvPr/>
+          </p:nvCxnSpPr>
+          <p:spPr>
+            <a:xfrm flipH="1">
+              <a:off x="9207500" y="4366652"/>
+              <a:ext cx="27193" cy="1424548"/>
+            </a:xfrm>
+            <a:prstGeom prst="line">
+              <a:avLst/>
+            </a:prstGeom>
+          </p:spPr>
+          <p:style>
+            <a:lnRef idx="2">
+              <a:schemeClr val="accent1"/>
+            </a:lnRef>
+            <a:fillRef idx="0">
+              <a:schemeClr val="accent1"/>
+            </a:fillRef>
+            <a:effectRef idx="1">
+              <a:schemeClr val="accent1"/>
+            </a:effectRef>
+            <a:fontRef idx="minor">
+              <a:schemeClr val="tx1"/>
+            </a:fontRef>
+          </p:style>
+        </p:cxnSp>
+        <p:cxnSp>
+          <p:nvCxnSpPr>
+            <p:cNvPr id="99" name="Gerade Verbindung 98"/>
+            <p:cNvCxnSpPr/>
+            <p:nvPr/>
+          </p:nvCxnSpPr>
+          <p:spPr>
+            <a:xfrm flipH="1">
+              <a:off x="8526780" y="3320639"/>
+              <a:ext cx="722893" cy="349661"/>
+            </a:xfrm>
+            <a:prstGeom prst="line">
+              <a:avLst/>
+            </a:prstGeom>
+          </p:spPr>
+          <p:style>
+            <a:lnRef idx="2">
+              <a:schemeClr val="accent1"/>
+            </a:lnRef>
+            <a:fillRef idx="0">
+              <a:schemeClr val="accent1"/>
+            </a:fillRef>
+            <a:effectRef idx="1">
+              <a:schemeClr val="accent1"/>
+            </a:effectRef>
+            <a:fontRef idx="minor">
+              <a:schemeClr val="tx1"/>
+            </a:fontRef>
+          </p:style>
+        </p:cxnSp>
+        <p:cxnSp>
+          <p:nvCxnSpPr>
+            <p:cNvPr id="100" name="Gerade Verbindung 99"/>
+            <p:cNvCxnSpPr/>
+            <p:nvPr/>
+          </p:nvCxnSpPr>
+          <p:spPr>
+            <a:xfrm flipH="1" flipV="1">
+              <a:off x="8521700" y="4036060"/>
+              <a:ext cx="711201" cy="335281"/>
+            </a:xfrm>
+            <a:prstGeom prst="line">
+              <a:avLst/>
+            </a:prstGeom>
+          </p:spPr>
+          <p:style>
+            <a:lnRef idx="2">
+              <a:schemeClr val="accent1"/>
+            </a:lnRef>
+            <a:fillRef idx="0">
+              <a:schemeClr val="accent1"/>
+            </a:fillRef>
+            <a:effectRef idx="1">
+              <a:schemeClr val="accent1"/>
+            </a:effectRef>
+            <a:fontRef idx="minor">
+              <a:schemeClr val="tx1"/>
+            </a:fontRef>
+          </p:style>
+        </p:cxnSp>
+        <p:sp>
+          <p:nvSpPr>
+            <p:cNvPr id="89" name="Textfeld 88"/>
+            <p:cNvSpPr txBox="1"/>
+            <p:nvPr/>
+          </p:nvSpPr>
+          <p:spPr>
+            <a:xfrm>
+              <a:off x="3771900" y="3213100"/>
+              <a:ext cx="723425" cy="369332"/>
+            </a:xfrm>
+            <a:prstGeom prst="rect">
+              <a:avLst/>
+            </a:prstGeom>
+            <a:noFill/>
+          </p:spPr>
+          <p:txBody>
+            <a:bodyPr wrap="none" rtlCol="0">
+              <a:spAutoFit/>
+            </a:bodyPr>
+            <a:lstStyle/>
+            <a:p>
+              <a:r>
+                <a:rPr lang="en-US" dirty="0" err="1" smtClean="0"/>
+                <a:t>p</a:t>
+              </a:r>
+              <a:r>
+                <a:rPr lang="en-US" baseline="-25000" dirty="0" err="1" smtClean="0"/>
+                <a:t>source</a:t>
+              </a:r>
+              <a:endParaRPr lang="en-US" baseline="-25000" dirty="0"/>
+            </a:p>
+          </p:txBody>
+        </p:sp>
+        <p:sp>
+          <p:nvSpPr>
+            <p:cNvPr id="92" name="Textfeld 91"/>
+            <p:cNvSpPr txBox="1"/>
+            <p:nvPr/>
+          </p:nvSpPr>
+          <p:spPr>
+            <a:xfrm>
+              <a:off x="7607300" y="3289300"/>
+              <a:ext cx="851515" cy="369332"/>
+            </a:xfrm>
+            <a:prstGeom prst="rect">
+              <a:avLst/>
+            </a:prstGeom>
+            <a:noFill/>
+          </p:spPr>
+          <p:txBody>
+            <a:bodyPr wrap="none" rtlCol="0">
+              <a:spAutoFit/>
+            </a:bodyPr>
+            <a:lstStyle/>
+            <a:p>
+              <a:r>
+                <a:rPr lang="en-US" dirty="0" err="1" smtClean="0"/>
+                <a:t>p</a:t>
+              </a:r>
+              <a:r>
+                <a:rPr lang="en-US" baseline="-25000" dirty="0" err="1" smtClean="0"/>
+                <a:t>skimmer</a:t>
+              </a:r>
+              <a:endParaRPr lang="en-US" baseline="-25000" dirty="0"/>
+            </a:p>
+          </p:txBody>
+        </p:sp>
+        <p:sp>
+          <p:nvSpPr>
+            <p:cNvPr id="95" name="Textfeld 94"/>
+            <p:cNvSpPr txBox="1"/>
+            <p:nvPr/>
+          </p:nvSpPr>
+          <p:spPr>
+            <a:xfrm>
+              <a:off x="5054600" y="1905000"/>
+              <a:ext cx="1181934" cy="369332"/>
+            </a:xfrm>
+            <a:prstGeom prst="rect">
+              <a:avLst/>
+            </a:prstGeom>
+            <a:noFill/>
+          </p:spPr>
+          <p:txBody>
+            <a:bodyPr wrap="none" rtlCol="0">
+              <a:spAutoFit/>
+            </a:bodyPr>
+            <a:lstStyle/>
+            <a:p>
+              <a:r>
+                <a:rPr lang="en-US" dirty="0" smtClean="0"/>
+                <a:t>Skimmer 1</a:t>
+              </a:r>
+              <a:endParaRPr lang="en-US" dirty="0"/>
+            </a:p>
+          </p:txBody>
+        </p:sp>
+        <p:sp>
+          <p:nvSpPr>
+            <p:cNvPr id="101" name="Textfeld 100"/>
+            <p:cNvSpPr txBox="1"/>
+            <p:nvPr/>
+          </p:nvSpPr>
+          <p:spPr>
+            <a:xfrm>
+              <a:off x="8064500" y="1930400"/>
+              <a:ext cx="1181934" cy="369332"/>
+            </a:xfrm>
+            <a:prstGeom prst="rect">
+              <a:avLst/>
+            </a:prstGeom>
+            <a:noFill/>
+          </p:spPr>
+          <p:txBody>
+            <a:bodyPr wrap="none" rtlCol="0">
+              <a:spAutoFit/>
+            </a:bodyPr>
+            <a:lstStyle/>
+            <a:p>
+              <a:r>
+                <a:rPr lang="en-US" dirty="0" smtClean="0"/>
+                <a:t>Skimmer 2</a:t>
+              </a:r>
+              <a:endParaRPr lang="en-US" dirty="0"/>
+            </a:p>
+          </p:txBody>
+        </p:sp>
+        <p:sp>
+          <p:nvSpPr>
+            <p:cNvPr id="102" name="Pfeil nach unten 101"/>
+            <p:cNvSpPr/>
+            <p:nvPr/>
+          </p:nvSpPr>
+          <p:spPr>
+            <a:xfrm>
+              <a:off x="3810000" y="4724400"/>
+              <a:ext cx="482600" cy="596900"/>
+            </a:xfrm>
+            <a:prstGeom prst="downArrow">
+              <a:avLst/>
+            </a:prstGeom>
+          </p:spPr>
+          <p:style>
+            <a:lnRef idx="1">
+              <a:schemeClr val="accent1"/>
+            </a:lnRef>
+            <a:fillRef idx="3">
+              <a:schemeClr val="accent1"/>
+            </a:fillRef>
+            <a:effectRef idx="2">
+              <a:schemeClr val="accent1"/>
+            </a:effectRef>
+            <a:fontRef idx="minor">
+              <a:schemeClr val="lt1"/>
+            </a:fontRef>
+          </p:style>
+          <p:txBody>
+            <a:bodyPr rtlCol="0" anchor="ctr"/>
+            <a:lstStyle/>
+            <a:p>
+              <a:pPr algn="ctr"/>
+              <a:endParaRPr lang="en-US"/>
+            </a:p>
+          </p:txBody>
+        </p:sp>
+        <p:sp>
+          <p:nvSpPr>
+            <p:cNvPr id="103" name="Textfeld 102"/>
+            <p:cNvSpPr txBox="1"/>
+            <p:nvPr/>
+          </p:nvSpPr>
+          <p:spPr>
+            <a:xfrm>
+              <a:off x="3492500" y="5410200"/>
+              <a:ext cx="1019292" cy="369332"/>
+            </a:xfrm>
+            <a:prstGeom prst="rect">
+              <a:avLst/>
+            </a:prstGeom>
+            <a:noFill/>
+          </p:spPr>
+          <p:txBody>
+            <a:bodyPr wrap="none" rtlCol="0">
+              <a:spAutoFit/>
+            </a:bodyPr>
+            <a:lstStyle/>
+            <a:p>
+              <a:r>
+                <a:rPr lang="en-US" dirty="0" smtClean="0"/>
+                <a:t>To pump</a:t>
+              </a:r>
+              <a:endParaRPr lang="en-US" dirty="0"/>
+            </a:p>
+          </p:txBody>
+        </p:sp>
+        <p:sp>
+          <p:nvSpPr>
+            <p:cNvPr id="106" name="Pfeil nach unten 105"/>
+            <p:cNvSpPr/>
+            <p:nvPr/>
+          </p:nvSpPr>
+          <p:spPr>
+            <a:xfrm>
+              <a:off x="7493000" y="4724400"/>
+              <a:ext cx="482600" cy="596900"/>
+            </a:xfrm>
+            <a:prstGeom prst="downArrow">
+              <a:avLst/>
+            </a:prstGeom>
+          </p:spPr>
+          <p:style>
+            <a:lnRef idx="1">
+              <a:schemeClr val="accent1"/>
+            </a:lnRef>
+            <a:fillRef idx="3">
+              <a:schemeClr val="accent1"/>
+            </a:fillRef>
+            <a:effectRef idx="2">
+              <a:schemeClr val="accent1"/>
+            </a:effectRef>
+            <a:fontRef idx="minor">
+              <a:schemeClr val="lt1"/>
+            </a:fontRef>
+          </p:style>
+          <p:txBody>
+            <a:bodyPr rtlCol="0" anchor="ctr"/>
+            <a:lstStyle/>
+            <a:p>
+              <a:pPr algn="ctr"/>
+              <a:endParaRPr lang="en-US"/>
+            </a:p>
+          </p:txBody>
+        </p:sp>
+        <p:sp>
+          <p:nvSpPr>
+            <p:cNvPr id="107" name="Textfeld 106"/>
+            <p:cNvSpPr txBox="1"/>
+            <p:nvPr/>
+          </p:nvSpPr>
+          <p:spPr>
+            <a:xfrm>
+              <a:off x="7175500" y="5410200"/>
+              <a:ext cx="1019292" cy="369332"/>
+            </a:xfrm>
+            <a:prstGeom prst="rect">
+              <a:avLst/>
+            </a:prstGeom>
+            <a:noFill/>
+          </p:spPr>
+          <p:txBody>
+            <a:bodyPr wrap="none" rtlCol="0">
+              <a:spAutoFit/>
+            </a:bodyPr>
+            <a:lstStyle/>
+            <a:p>
+              <a:r>
+                <a:rPr lang="en-US" dirty="0" smtClean="0"/>
+                <a:t>To pump</a:t>
+              </a:r>
+              <a:endParaRPr lang="en-US" dirty="0"/>
+            </a:p>
+          </p:txBody>
+        </p:sp>
+        <p:cxnSp>
+          <p:nvCxnSpPr>
+            <p:cNvPr id="3" name="Straight Connector 2"/>
+            <p:cNvCxnSpPr/>
+            <p:nvPr/>
+          </p:nvCxnSpPr>
+          <p:spPr>
+            <a:xfrm flipH="1">
+              <a:off x="10835014" y="1892300"/>
+              <a:ext cx="25052" cy="3898900"/>
+            </a:xfrm>
+            <a:prstGeom prst="line">
+              <a:avLst/>
+            </a:prstGeom>
+          </p:spPr>
+          <p:style>
+            <a:lnRef idx="1">
+              <a:schemeClr val="accent1"/>
+            </a:lnRef>
+            <a:fillRef idx="0">
+              <a:schemeClr val="accent1"/>
+            </a:fillRef>
+            <a:effectRef idx="0">
+              <a:schemeClr val="accent1"/>
+            </a:effectRef>
+            <a:fontRef idx="minor">
+              <a:schemeClr val="tx1"/>
+            </a:fontRef>
+          </p:style>
+        </p:cxnSp>
+        <p:sp>
+          <p:nvSpPr>
+            <p:cNvPr id="8" name="TextBox 7"/>
+            <p:cNvSpPr txBox="1"/>
+            <p:nvPr/>
+          </p:nvSpPr>
+          <p:spPr>
+            <a:xfrm>
+              <a:off x="9757392" y="1930400"/>
+              <a:ext cx="1102674" cy="369332"/>
+            </a:xfrm>
+            <a:prstGeom prst="rect">
+              <a:avLst/>
+            </a:prstGeom>
+            <a:noFill/>
+          </p:spPr>
+          <p:txBody>
+            <a:bodyPr wrap="none" rtlCol="0">
+              <a:spAutoFit/>
+            </a:bodyPr>
+            <a:lstStyle/>
+            <a:p>
+              <a:r>
+                <a:rPr lang="en-US" dirty="0" smtClean="0"/>
+                <a:t>Detection</a:t>
+              </a:r>
+              <a:endParaRPr lang="en-US" dirty="0"/>
+            </a:p>
+          </p:txBody>
+        </p:sp>
+        <p:sp>
+          <p:nvSpPr>
+            <p:cNvPr id="10" name="TextBox 9"/>
+            <p:cNvSpPr txBox="1"/>
+            <p:nvPr/>
+          </p:nvSpPr>
+          <p:spPr>
+            <a:xfrm>
+              <a:off x="9995484" y="3323081"/>
+              <a:ext cx="726289" cy="369332"/>
+            </a:xfrm>
+            <a:prstGeom prst="rect">
+              <a:avLst/>
+            </a:prstGeom>
+            <a:noFill/>
+          </p:spPr>
+          <p:txBody>
+            <a:bodyPr wrap="none" rtlCol="0">
+              <a:spAutoFit/>
+            </a:bodyPr>
+            <a:lstStyle/>
+            <a:p>
+              <a:r>
+                <a:rPr lang="en-US" dirty="0" err="1" smtClean="0"/>
+                <a:t>p</a:t>
+              </a:r>
+              <a:r>
+                <a:rPr lang="en-US" baseline="-25000" dirty="0" err="1" smtClean="0"/>
+                <a:t>cluster</a:t>
+              </a:r>
+              <a:endParaRPr lang="en-US" baseline="-25000" dirty="0"/>
+            </a:p>
+          </p:txBody>
+        </p:sp>
+        <p:sp>
+          <p:nvSpPr>
+            <p:cNvPr id="59" name="Pfeil nach unten 105"/>
+            <p:cNvSpPr/>
+            <p:nvPr/>
+          </p:nvSpPr>
+          <p:spPr>
+            <a:xfrm>
+              <a:off x="9844342" y="4724400"/>
+              <a:ext cx="482600" cy="596900"/>
+            </a:xfrm>
+            <a:prstGeom prst="downArrow">
+              <a:avLst/>
+            </a:prstGeom>
+          </p:spPr>
+          <p:style>
+            <a:lnRef idx="1">
+              <a:schemeClr val="accent1"/>
+            </a:lnRef>
+            <a:fillRef idx="3">
+              <a:schemeClr val="accent1"/>
+            </a:fillRef>
+            <a:effectRef idx="2">
+              <a:schemeClr val="accent1"/>
+            </a:effectRef>
+            <a:fontRef idx="minor">
+              <a:schemeClr val="lt1"/>
+            </a:fontRef>
+          </p:style>
+          <p:txBody>
+            <a:bodyPr rtlCol="0" anchor="ctr"/>
+            <a:lstStyle/>
+            <a:p>
+              <a:pPr algn="ctr"/>
+              <a:endParaRPr lang="en-US"/>
+            </a:p>
+          </p:txBody>
+        </p:sp>
+        <p:sp>
+          <p:nvSpPr>
+            <p:cNvPr id="60" name="Textfeld 106"/>
+            <p:cNvSpPr txBox="1"/>
+            <p:nvPr/>
+          </p:nvSpPr>
+          <p:spPr>
+            <a:xfrm>
+              <a:off x="9526842" y="5410200"/>
+              <a:ext cx="1019292" cy="369332"/>
+            </a:xfrm>
+            <a:prstGeom prst="rect">
+              <a:avLst/>
+            </a:prstGeom>
+            <a:noFill/>
+          </p:spPr>
+          <p:txBody>
+            <a:bodyPr wrap="none" rtlCol="0">
+              <a:spAutoFit/>
+            </a:bodyPr>
+            <a:lstStyle/>
+            <a:p>
+              <a:r>
+                <a:rPr lang="en-US" dirty="0" smtClean="0"/>
+                <a:t>To pump</a:t>
+              </a:r>
+              <a:endParaRPr lang="en-US" dirty="0"/>
+            </a:p>
+          </p:txBody>
+        </p:sp>
+      </p:grpSp>
     </p:spTree>
     <p:extLst>
       <p:ext uri="{BB962C8B-B14F-4D97-AF65-F5344CB8AC3E}">

--- a/images/pickup-source.pptx
+++ b/images/pickup-source.pptx
@@ -254,7 +254,7 @@
           <a:p>
             <a:fld id="{11DF4037-C77C-4485-A1A7-A21C0C2A48B2}" type="datetimeFigureOut">
               <a:rPr lang="en-US" smtClean="0"/>
-              <a:t>12/13/16</a:t>
+              <a:t>12/21/16</a:t>
             </a:fld>
             <a:endParaRPr lang="en-US"/>
           </a:p>
@@ -424,7 +424,7 @@
           <a:p>
             <a:fld id="{11DF4037-C77C-4485-A1A7-A21C0C2A48B2}" type="datetimeFigureOut">
               <a:rPr lang="en-US" smtClean="0"/>
-              <a:t>12/13/16</a:t>
+              <a:t>12/21/16</a:t>
             </a:fld>
             <a:endParaRPr lang="en-US"/>
           </a:p>
@@ -604,7 +604,7 @@
           <a:p>
             <a:fld id="{11DF4037-C77C-4485-A1A7-A21C0C2A48B2}" type="datetimeFigureOut">
               <a:rPr lang="en-US" smtClean="0"/>
-              <a:t>12/13/16</a:t>
+              <a:t>12/21/16</a:t>
             </a:fld>
             <a:endParaRPr lang="en-US"/>
           </a:p>
@@ -774,7 +774,7 @@
           <a:p>
             <a:fld id="{11DF4037-C77C-4485-A1A7-A21C0C2A48B2}" type="datetimeFigureOut">
               <a:rPr lang="en-US" smtClean="0"/>
-              <a:t>12/13/16</a:t>
+              <a:t>12/21/16</a:t>
             </a:fld>
             <a:endParaRPr lang="en-US"/>
           </a:p>
@@ -1020,7 +1020,7 @@
           <a:p>
             <a:fld id="{11DF4037-C77C-4485-A1A7-A21C0C2A48B2}" type="datetimeFigureOut">
               <a:rPr lang="en-US" smtClean="0"/>
-              <a:t>12/13/16</a:t>
+              <a:t>12/21/16</a:t>
             </a:fld>
             <a:endParaRPr lang="en-US"/>
           </a:p>
@@ -1252,7 +1252,7 @@
           <a:p>
             <a:fld id="{11DF4037-C77C-4485-A1A7-A21C0C2A48B2}" type="datetimeFigureOut">
               <a:rPr lang="en-US" smtClean="0"/>
-              <a:t>12/13/16</a:t>
+              <a:t>12/21/16</a:t>
             </a:fld>
             <a:endParaRPr lang="en-US"/>
           </a:p>
@@ -1619,7 +1619,7 @@
           <a:p>
             <a:fld id="{11DF4037-C77C-4485-A1A7-A21C0C2A48B2}" type="datetimeFigureOut">
               <a:rPr lang="en-US" smtClean="0"/>
-              <a:t>12/13/16</a:t>
+              <a:t>12/21/16</a:t>
             </a:fld>
             <a:endParaRPr lang="en-US"/>
           </a:p>
@@ -1737,7 +1737,7 @@
           <a:p>
             <a:fld id="{11DF4037-C77C-4485-A1A7-A21C0C2A48B2}" type="datetimeFigureOut">
               <a:rPr lang="en-US" smtClean="0"/>
-              <a:t>12/13/16</a:t>
+              <a:t>12/21/16</a:t>
             </a:fld>
             <a:endParaRPr lang="en-US"/>
           </a:p>
@@ -1832,7 +1832,7 @@
           <a:p>
             <a:fld id="{11DF4037-C77C-4485-A1A7-A21C0C2A48B2}" type="datetimeFigureOut">
               <a:rPr lang="en-US" smtClean="0"/>
-              <a:t>12/13/16</a:t>
+              <a:t>12/21/16</a:t>
             </a:fld>
             <a:endParaRPr lang="en-US"/>
           </a:p>
@@ -2109,7 +2109,7 @@
           <a:p>
             <a:fld id="{11DF4037-C77C-4485-A1A7-A21C0C2A48B2}" type="datetimeFigureOut">
               <a:rPr lang="en-US" smtClean="0"/>
-              <a:t>12/13/16</a:t>
+              <a:t>12/21/16</a:t>
             </a:fld>
             <a:endParaRPr lang="en-US"/>
           </a:p>
@@ -2362,7 +2362,7 @@
           <a:p>
             <a:fld id="{11DF4037-C77C-4485-A1A7-A21C0C2A48B2}" type="datetimeFigureOut">
               <a:rPr lang="en-US" smtClean="0"/>
-              <a:t>12/13/16</a:t>
+              <a:t>12/21/16</a:t>
             </a:fld>
             <a:endParaRPr lang="en-US"/>
           </a:p>
@@ -2575,7 +2575,7 @@
           <a:p>
             <a:fld id="{11DF4037-C77C-4485-A1A7-A21C0C2A48B2}" type="datetimeFigureOut">
               <a:rPr lang="en-US" smtClean="0"/>
-              <a:t>12/13/16</a:t>
+              <a:t>12/21/16</a:t>
             </a:fld>
             <a:endParaRPr lang="en-US"/>
           </a:p>
@@ -4571,7 +4571,41 @@
           <p:spPr>
             <a:xfrm>
               <a:off x="3771900" y="3213100"/>
-              <a:ext cx="723425" cy="369332"/>
+              <a:ext cx="386644" cy="369332"/>
+            </a:xfrm>
+            <a:prstGeom prst="rect">
+              <a:avLst/>
+            </a:prstGeom>
+            <a:noFill/>
+          </p:spPr>
+          <p:txBody>
+            <a:bodyPr wrap="none" rtlCol="0">
+              <a:spAutoFit/>
+            </a:bodyPr>
+            <a:lstStyle/>
+            <a:p>
+              <a:r>
+                <a:rPr lang="en-US" dirty="0" err="1" smtClean="0"/>
+                <a:t>p</a:t>
+              </a:r>
+              <a:r>
+                <a:rPr lang="en-US" baseline="-25000" dirty="0" err="1"/>
+                <a:t>b</a:t>
+              </a:r>
+              <a:endParaRPr lang="en-US" baseline="-25000" dirty="0"/>
+            </a:p>
+          </p:txBody>
+        </p:sp>
+        <p:sp>
+          <p:nvSpPr>
+            <p:cNvPr id="92" name="Textfeld 91"/>
+            <p:cNvSpPr txBox="1"/>
+            <p:nvPr/>
+          </p:nvSpPr>
+          <p:spPr>
+            <a:xfrm>
+              <a:off x="7607300" y="3289300"/>
+              <a:ext cx="466794" cy="369332"/>
             </a:xfrm>
             <a:prstGeom prst="rect">
               <a:avLst/>
@@ -4590,41 +4624,7 @@
               </a:r>
               <a:r>
                 <a:rPr lang="en-US" baseline="-25000" dirty="0" err="1" smtClean="0"/>
-                <a:t>source</a:t>
-              </a:r>
-              <a:endParaRPr lang="en-US" baseline="-25000" dirty="0"/>
-            </a:p>
-          </p:txBody>
-        </p:sp>
-        <p:sp>
-          <p:nvSpPr>
-            <p:cNvPr id="92" name="Textfeld 91"/>
-            <p:cNvSpPr txBox="1"/>
-            <p:nvPr/>
-          </p:nvSpPr>
-          <p:spPr>
-            <a:xfrm>
-              <a:off x="7607300" y="3289300"/>
-              <a:ext cx="851515" cy="369332"/>
-            </a:xfrm>
-            <a:prstGeom prst="rect">
-              <a:avLst/>
-            </a:prstGeom>
-            <a:noFill/>
-          </p:spPr>
-          <p:txBody>
-            <a:bodyPr wrap="none" rtlCol="0">
-              <a:spAutoFit/>
-            </a:bodyPr>
-            <a:lstStyle/>
-            <a:p>
-              <a:r>
-                <a:rPr lang="en-US" dirty="0" err="1" smtClean="0"/>
-                <a:t>p</a:t>
-              </a:r>
-              <a:r>
-                <a:rPr lang="en-US" baseline="-25000" dirty="0" err="1" smtClean="0"/>
-                <a:t>skimmer</a:t>
+                <a:t>du</a:t>
               </a:r>
               <a:endParaRPr lang="en-US" baseline="-25000" dirty="0"/>
             </a:p>
@@ -4638,7 +4638,7 @@
           </p:nvSpPr>
           <p:spPr>
             <a:xfrm>
-              <a:off x="5054600" y="1905000"/>
+              <a:off x="5002050" y="1905000"/>
               <a:ext cx="1181934" cy="369332"/>
             </a:xfrm>
             <a:prstGeom prst="rect">
@@ -4668,7 +4668,7 @@
           </p:nvSpPr>
           <p:spPr>
             <a:xfrm>
-              <a:off x="8064500" y="1930400"/>
+              <a:off x="8011950" y="1930400"/>
               <a:ext cx="1181934" cy="369332"/>
             </a:xfrm>
             <a:prstGeom prst="rect">
@@ -4864,7 +4864,7 @@
           </p:nvSpPr>
           <p:spPr>
             <a:xfrm>
-              <a:off x="9757392" y="1930400"/>
+              <a:off x="9704842" y="1930400"/>
               <a:ext cx="1102674" cy="369332"/>
             </a:xfrm>
             <a:prstGeom prst="rect">
@@ -4895,7 +4895,7 @@
           <p:spPr>
             <a:xfrm>
               <a:off x="9995484" y="3323081"/>
-              <a:ext cx="726289" cy="369332"/>
+              <a:ext cx="463588" cy="369332"/>
             </a:xfrm>
             <a:prstGeom prst="rect">
               <a:avLst/>
@@ -4914,7 +4914,7 @@
               </a:r>
               <a:r>
                 <a:rPr lang="en-US" baseline="-25000" dirty="0" err="1" smtClean="0"/>
-                <a:t>cluster</a:t>
+                <a:t>de</a:t>
               </a:r>
               <a:endParaRPr lang="en-US" baseline="-25000" dirty="0"/>
             </a:p>
